--- a/sqlserver-sql/sqlserver-db-sch-user.pptx
+++ b/sqlserver-sql/sqlserver-db-sch-user.pptx
@@ -4,6 +4,9 @@
   <p:sldMasterIdLst>
     <p:sldMasterId id="2147483648" r:id="rId1"/>
   </p:sldMasterIdLst>
+  <p:notesMasterIdLst>
+    <p:notesMasterId r:id="rId8"/>
+  </p:notesMasterIdLst>
   <p:sldIdLst>
     <p:sldId id="256" r:id="rId2"/>
     <p:sldId id="258" r:id="rId3"/>
@@ -128,6 +131,440 @@
 </p:presentation>
 </file>
 
+<file path=ppt/notesMasters/notesMaster1.xml><?xml version="1.0" encoding="utf-8"?>
+<p:notesMaster xmlns:a="http://schemas.openxmlformats.org/drawingml/2006/main" xmlns:r="http://schemas.openxmlformats.org/officeDocument/2006/relationships" xmlns:p="http://schemas.openxmlformats.org/presentationml/2006/main">
+  <p:cSld>
+    <p:bg>
+      <p:bgRef idx="1001">
+        <a:schemeClr val="bg1"/>
+      </p:bgRef>
+    </p:bg>
+    <p:spTree>
+      <p:nvGrpSpPr>
+        <p:cNvPr id="1" name=""/>
+        <p:cNvGrpSpPr/>
+        <p:nvPr/>
+      </p:nvGrpSpPr>
+      <p:grpSpPr>
+        <a:xfrm>
+          <a:off x="0" y="0"/>
+          <a:ext cx="0" cy="0"/>
+          <a:chOff x="0" y="0"/>
+          <a:chExt cx="0" cy="0"/>
+        </a:xfrm>
+      </p:grpSpPr>
+      <p:sp>
+        <p:nvSpPr>
+          <p:cNvPr id="2" name="Header Placeholder 1"/>
+          <p:cNvSpPr>
+            <a:spLocks noGrp="1"/>
+          </p:cNvSpPr>
+          <p:nvPr>
+            <p:ph type="hdr" sz="quarter"/>
+          </p:nvPr>
+        </p:nvSpPr>
+        <p:spPr>
+          <a:xfrm>
+            <a:off x="0" y="0"/>
+            <a:ext cx="2971800" cy="458788"/>
+          </a:xfrm>
+          <a:prstGeom prst="rect">
+            <a:avLst/>
+          </a:prstGeom>
+        </p:spPr>
+        <p:txBody>
+          <a:bodyPr vert="horz" lIns="91440" tIns="45720" rIns="91440" bIns="45720" rtlCol="0"/>
+          <a:lstStyle>
+            <a:lvl1pPr algn="l">
+              <a:defRPr sz="1200"/>
+            </a:lvl1pPr>
+          </a:lstStyle>
+          <a:p>
+            <a:endParaRPr lang="en-IN"/>
+          </a:p>
+        </p:txBody>
+      </p:sp>
+      <p:sp>
+        <p:nvSpPr>
+          <p:cNvPr id="3" name="Date Placeholder 2"/>
+          <p:cNvSpPr>
+            <a:spLocks noGrp="1"/>
+          </p:cNvSpPr>
+          <p:nvPr>
+            <p:ph type="dt" idx="1"/>
+          </p:nvPr>
+        </p:nvSpPr>
+        <p:spPr>
+          <a:xfrm>
+            <a:off x="3884613" y="0"/>
+            <a:ext cx="2971800" cy="458788"/>
+          </a:xfrm>
+          <a:prstGeom prst="rect">
+            <a:avLst/>
+          </a:prstGeom>
+        </p:spPr>
+        <p:txBody>
+          <a:bodyPr vert="horz" lIns="91440" tIns="45720" rIns="91440" bIns="45720" rtlCol="0"/>
+          <a:lstStyle>
+            <a:lvl1pPr algn="r">
+              <a:defRPr sz="1200"/>
+            </a:lvl1pPr>
+          </a:lstStyle>
+          <a:p>
+            <a:fld id="{FCDEBA33-DC85-4110-A50B-3CD756393C1E}" type="datetimeFigureOut">
+              <a:rPr lang="en-IN" smtClean="0"/>
+              <a:t>05-08-2025</a:t>
+            </a:fld>
+            <a:endParaRPr lang="en-IN"/>
+          </a:p>
+        </p:txBody>
+      </p:sp>
+      <p:sp>
+        <p:nvSpPr>
+          <p:cNvPr id="4" name="Slide Image Placeholder 3"/>
+          <p:cNvSpPr>
+            <a:spLocks noGrp="1" noRot="1" noChangeAspect="1"/>
+          </p:cNvSpPr>
+          <p:nvPr>
+            <p:ph type="sldImg" idx="2"/>
+          </p:nvPr>
+        </p:nvSpPr>
+        <p:spPr>
+          <a:xfrm>
+            <a:off x="685800" y="1143000"/>
+            <a:ext cx="5486400" cy="3086100"/>
+          </a:xfrm>
+          <a:prstGeom prst="rect">
+            <a:avLst/>
+          </a:prstGeom>
+          <a:noFill/>
+          <a:ln w="12700">
+            <a:solidFill>
+              <a:prstClr val="black"/>
+            </a:solidFill>
+          </a:ln>
+        </p:spPr>
+        <p:txBody>
+          <a:bodyPr vert="horz" lIns="91440" tIns="45720" rIns="91440" bIns="45720" rtlCol="0" anchor="ctr"/>
+          <a:lstStyle/>
+          <a:p>
+            <a:endParaRPr lang="en-IN"/>
+          </a:p>
+        </p:txBody>
+      </p:sp>
+      <p:sp>
+        <p:nvSpPr>
+          <p:cNvPr id="5" name="Notes Placeholder 4"/>
+          <p:cNvSpPr>
+            <a:spLocks noGrp="1"/>
+          </p:cNvSpPr>
+          <p:nvPr>
+            <p:ph type="body" sz="quarter" idx="3"/>
+          </p:nvPr>
+        </p:nvSpPr>
+        <p:spPr>
+          <a:xfrm>
+            <a:off x="685800" y="4400550"/>
+            <a:ext cx="5486400" cy="3600450"/>
+          </a:xfrm>
+          <a:prstGeom prst="rect">
+            <a:avLst/>
+          </a:prstGeom>
+        </p:spPr>
+        <p:txBody>
+          <a:bodyPr vert="horz" lIns="91440" tIns="45720" rIns="91440" bIns="45720" rtlCol="0"/>
+          <a:lstStyle/>
+          <a:p>
+            <a:pPr lvl="0"/>
+            <a:r>
+              <a:rPr lang="en-US"/>
+              <a:t>Click to edit Master text styles</a:t>
+            </a:r>
+          </a:p>
+          <a:p>
+            <a:pPr lvl="1"/>
+            <a:r>
+              <a:rPr lang="en-US"/>
+              <a:t>Second level</a:t>
+            </a:r>
+          </a:p>
+          <a:p>
+            <a:pPr lvl="2"/>
+            <a:r>
+              <a:rPr lang="en-US"/>
+              <a:t>Third level</a:t>
+            </a:r>
+          </a:p>
+          <a:p>
+            <a:pPr lvl="3"/>
+            <a:r>
+              <a:rPr lang="en-US"/>
+              <a:t>Fourth level</a:t>
+            </a:r>
+          </a:p>
+          <a:p>
+            <a:pPr lvl="4"/>
+            <a:r>
+              <a:rPr lang="en-US"/>
+              <a:t>Fifth level</a:t>
+            </a:r>
+            <a:endParaRPr lang="en-IN"/>
+          </a:p>
+        </p:txBody>
+      </p:sp>
+      <p:sp>
+        <p:nvSpPr>
+          <p:cNvPr id="6" name="Footer Placeholder 5"/>
+          <p:cNvSpPr>
+            <a:spLocks noGrp="1"/>
+          </p:cNvSpPr>
+          <p:nvPr>
+            <p:ph type="ftr" sz="quarter" idx="4"/>
+          </p:nvPr>
+        </p:nvSpPr>
+        <p:spPr>
+          <a:xfrm>
+            <a:off x="0" y="8685213"/>
+            <a:ext cx="2971800" cy="458787"/>
+          </a:xfrm>
+          <a:prstGeom prst="rect">
+            <a:avLst/>
+          </a:prstGeom>
+        </p:spPr>
+        <p:txBody>
+          <a:bodyPr vert="horz" lIns="91440" tIns="45720" rIns="91440" bIns="45720" rtlCol="0" anchor="b"/>
+          <a:lstStyle>
+            <a:lvl1pPr algn="l">
+              <a:defRPr sz="1200"/>
+            </a:lvl1pPr>
+          </a:lstStyle>
+          <a:p>
+            <a:endParaRPr lang="en-IN"/>
+          </a:p>
+        </p:txBody>
+      </p:sp>
+      <p:sp>
+        <p:nvSpPr>
+          <p:cNvPr id="7" name="Slide Number Placeholder 6"/>
+          <p:cNvSpPr>
+            <a:spLocks noGrp="1"/>
+          </p:cNvSpPr>
+          <p:nvPr>
+            <p:ph type="sldNum" sz="quarter" idx="5"/>
+          </p:nvPr>
+        </p:nvSpPr>
+        <p:spPr>
+          <a:xfrm>
+            <a:off x="3884613" y="8685213"/>
+            <a:ext cx="2971800" cy="458787"/>
+          </a:xfrm>
+          <a:prstGeom prst="rect">
+            <a:avLst/>
+          </a:prstGeom>
+        </p:spPr>
+        <p:txBody>
+          <a:bodyPr vert="horz" lIns="91440" tIns="45720" rIns="91440" bIns="45720" rtlCol="0" anchor="b"/>
+          <a:lstStyle>
+            <a:lvl1pPr algn="r">
+              <a:defRPr sz="1200"/>
+            </a:lvl1pPr>
+          </a:lstStyle>
+          <a:p>
+            <a:fld id="{F30E4B3F-980B-4138-94CE-D89029174114}" type="slidenum">
+              <a:rPr lang="en-IN" smtClean="0"/>
+              <a:t>‹#›</a:t>
+            </a:fld>
+            <a:endParaRPr lang="en-IN"/>
+          </a:p>
+        </p:txBody>
+      </p:sp>
+    </p:spTree>
+    <p:extLst>
+      <p:ext uri="{BB962C8B-B14F-4D97-AF65-F5344CB8AC3E}">
+        <p14:creationId xmlns:p14="http://schemas.microsoft.com/office/powerpoint/2010/main" val="1526101610"/>
+      </p:ext>
+    </p:extLst>
+  </p:cSld>
+  <p:clrMap bg1="lt1" tx1="dk1" bg2="lt2" tx2="dk2" accent1="accent1" accent2="accent2" accent3="accent3" accent4="accent4" accent5="accent5" accent6="accent6" hlink="hlink" folHlink="folHlink"/>
+  <p:notesStyle>
+    <a:lvl1pPr marL="0" algn="l" defTabSz="914400" rtl="0" eaLnBrk="1" latinLnBrk="0" hangingPunct="1">
+      <a:defRPr sz="1200" kern="1200">
+        <a:solidFill>
+          <a:schemeClr val="tx1"/>
+        </a:solidFill>
+        <a:latin typeface="+mn-lt"/>
+        <a:ea typeface="+mn-ea"/>
+        <a:cs typeface="+mn-cs"/>
+      </a:defRPr>
+    </a:lvl1pPr>
+    <a:lvl2pPr marL="457200" algn="l" defTabSz="914400" rtl="0" eaLnBrk="1" latinLnBrk="0" hangingPunct="1">
+      <a:defRPr sz="1200" kern="1200">
+        <a:solidFill>
+          <a:schemeClr val="tx1"/>
+        </a:solidFill>
+        <a:latin typeface="+mn-lt"/>
+        <a:ea typeface="+mn-ea"/>
+        <a:cs typeface="+mn-cs"/>
+      </a:defRPr>
+    </a:lvl2pPr>
+    <a:lvl3pPr marL="914400" algn="l" defTabSz="914400" rtl="0" eaLnBrk="1" latinLnBrk="0" hangingPunct="1">
+      <a:defRPr sz="1200" kern="1200">
+        <a:solidFill>
+          <a:schemeClr val="tx1"/>
+        </a:solidFill>
+        <a:latin typeface="+mn-lt"/>
+        <a:ea typeface="+mn-ea"/>
+        <a:cs typeface="+mn-cs"/>
+      </a:defRPr>
+    </a:lvl3pPr>
+    <a:lvl4pPr marL="1371600" algn="l" defTabSz="914400" rtl="0" eaLnBrk="1" latinLnBrk="0" hangingPunct="1">
+      <a:defRPr sz="1200" kern="1200">
+        <a:solidFill>
+          <a:schemeClr val="tx1"/>
+        </a:solidFill>
+        <a:latin typeface="+mn-lt"/>
+        <a:ea typeface="+mn-ea"/>
+        <a:cs typeface="+mn-cs"/>
+      </a:defRPr>
+    </a:lvl4pPr>
+    <a:lvl5pPr marL="1828800" algn="l" defTabSz="914400" rtl="0" eaLnBrk="1" latinLnBrk="0" hangingPunct="1">
+      <a:defRPr sz="1200" kern="1200">
+        <a:solidFill>
+          <a:schemeClr val="tx1"/>
+        </a:solidFill>
+        <a:latin typeface="+mn-lt"/>
+        <a:ea typeface="+mn-ea"/>
+        <a:cs typeface="+mn-cs"/>
+      </a:defRPr>
+    </a:lvl5pPr>
+    <a:lvl6pPr marL="2286000" algn="l" defTabSz="914400" rtl="0" eaLnBrk="1" latinLnBrk="0" hangingPunct="1">
+      <a:defRPr sz="1200" kern="1200">
+        <a:solidFill>
+          <a:schemeClr val="tx1"/>
+        </a:solidFill>
+        <a:latin typeface="+mn-lt"/>
+        <a:ea typeface="+mn-ea"/>
+        <a:cs typeface="+mn-cs"/>
+      </a:defRPr>
+    </a:lvl6pPr>
+    <a:lvl7pPr marL="2743200" algn="l" defTabSz="914400" rtl="0" eaLnBrk="1" latinLnBrk="0" hangingPunct="1">
+      <a:defRPr sz="1200" kern="1200">
+        <a:solidFill>
+          <a:schemeClr val="tx1"/>
+        </a:solidFill>
+        <a:latin typeface="+mn-lt"/>
+        <a:ea typeface="+mn-ea"/>
+        <a:cs typeface="+mn-cs"/>
+      </a:defRPr>
+    </a:lvl7pPr>
+    <a:lvl8pPr marL="3200400" algn="l" defTabSz="914400" rtl="0" eaLnBrk="1" latinLnBrk="0" hangingPunct="1">
+      <a:defRPr sz="1200" kern="1200">
+        <a:solidFill>
+          <a:schemeClr val="tx1"/>
+        </a:solidFill>
+        <a:latin typeface="+mn-lt"/>
+        <a:ea typeface="+mn-ea"/>
+        <a:cs typeface="+mn-cs"/>
+      </a:defRPr>
+    </a:lvl8pPr>
+    <a:lvl9pPr marL="3657600" algn="l" defTabSz="914400" rtl="0" eaLnBrk="1" latinLnBrk="0" hangingPunct="1">
+      <a:defRPr sz="1200" kern="1200">
+        <a:solidFill>
+          <a:schemeClr val="tx1"/>
+        </a:solidFill>
+        <a:latin typeface="+mn-lt"/>
+        <a:ea typeface="+mn-ea"/>
+        <a:cs typeface="+mn-cs"/>
+      </a:defRPr>
+    </a:lvl9pPr>
+  </p:notesStyle>
+</p:notesMaster>
+</file>
+
+<file path=ppt/notesSlides/notesSlide1.xml><?xml version="1.0" encoding="utf-8"?>
+<p:notes xmlns:a="http://schemas.openxmlformats.org/drawingml/2006/main" xmlns:r="http://schemas.openxmlformats.org/officeDocument/2006/relationships" xmlns:p="http://schemas.openxmlformats.org/presentationml/2006/main">
+  <p:cSld>
+    <p:spTree>
+      <p:nvGrpSpPr>
+        <p:cNvPr id="1" name=""/>
+        <p:cNvGrpSpPr/>
+        <p:nvPr/>
+      </p:nvGrpSpPr>
+      <p:grpSpPr>
+        <a:xfrm>
+          <a:off x="0" y="0"/>
+          <a:ext cx="0" cy="0"/>
+          <a:chOff x="0" y="0"/>
+          <a:chExt cx="0" cy="0"/>
+        </a:xfrm>
+      </p:grpSpPr>
+      <p:sp>
+        <p:nvSpPr>
+          <p:cNvPr id="2" name="Slide Image Placeholder 1"/>
+          <p:cNvSpPr>
+            <a:spLocks noGrp="1" noRot="1" noChangeAspect="1"/>
+          </p:cNvSpPr>
+          <p:nvPr>
+            <p:ph type="sldImg"/>
+          </p:nvPr>
+        </p:nvSpPr>
+        <p:spPr/>
+      </p:sp>
+      <p:sp>
+        <p:nvSpPr>
+          <p:cNvPr id="3" name="Notes Placeholder 2"/>
+          <p:cNvSpPr>
+            <a:spLocks noGrp="1"/>
+          </p:cNvSpPr>
+          <p:nvPr>
+            <p:ph type="body" idx="1"/>
+          </p:nvPr>
+        </p:nvSpPr>
+        <p:spPr/>
+        <p:txBody>
+          <a:bodyPr/>
+          <a:lstStyle/>
+          <a:p>
+            <a:endParaRPr lang="en-IN" dirty="0"/>
+          </a:p>
+        </p:txBody>
+      </p:sp>
+      <p:sp>
+        <p:nvSpPr>
+          <p:cNvPr id="4" name="Slide Number Placeholder 3"/>
+          <p:cNvSpPr>
+            <a:spLocks noGrp="1"/>
+          </p:cNvSpPr>
+          <p:nvPr>
+            <p:ph type="sldNum" sz="quarter" idx="5"/>
+          </p:nvPr>
+        </p:nvSpPr>
+        <p:spPr/>
+        <p:txBody>
+          <a:bodyPr/>
+          <a:lstStyle/>
+          <a:p>
+            <a:fld id="{F30E4B3F-980B-4138-94CE-D89029174114}" type="slidenum">
+              <a:rPr lang="en-IN" smtClean="0"/>
+              <a:t>1</a:t>
+            </a:fld>
+            <a:endParaRPr lang="en-IN"/>
+          </a:p>
+        </p:txBody>
+      </p:sp>
+    </p:spTree>
+    <p:extLst>
+      <p:ext uri="{BB962C8B-B14F-4D97-AF65-F5344CB8AC3E}">
+        <p14:creationId xmlns:p14="http://schemas.microsoft.com/office/powerpoint/2010/main" val="1013233833"/>
+      </p:ext>
+    </p:extLst>
+  </p:cSld>
+  <p:clrMapOvr>
+    <a:masterClrMapping/>
+  </p:clrMapOvr>
+</p:notes>
+</file>
+
 <file path=ppt/slideLayouts/slideLayout1.xml><?xml version="1.0" encoding="utf-8"?>
 <p:sldLayout xmlns:a="http://schemas.openxmlformats.org/drawingml/2006/main" xmlns:r="http://schemas.openxmlformats.org/officeDocument/2006/relationships" xmlns:p="http://schemas.openxmlformats.org/presentationml/2006/main" type="title" preserve="1">
   <p:cSld name="Title Slide">
@@ -307,7 +744,7 @@
           <a:p>
             <a:fld id="{241EB5C9-1307-BA42-ABA2-0BC069CD8E7F}" type="datetimeFigureOut">
               <a:rPr lang="en-US" smtClean="0"/>
-              <a:t>8/1/2025</a:t>
+              <a:t>8/5/2025</a:t>
             </a:fld>
             <a:endParaRPr lang="en-US"/>
           </a:p>
@@ -475,7 +912,7 @@
           <a:p>
             <a:fld id="{241EB5C9-1307-BA42-ABA2-0BC069CD8E7F}" type="datetimeFigureOut">
               <a:rPr lang="en-US" smtClean="0"/>
-              <a:t>8/1/2025</a:t>
+              <a:t>8/5/2025</a:t>
             </a:fld>
             <a:endParaRPr lang="en-US"/>
           </a:p>
@@ -653,7 +1090,7 @@
           <a:p>
             <a:fld id="{241EB5C9-1307-BA42-ABA2-0BC069CD8E7F}" type="datetimeFigureOut">
               <a:rPr lang="en-US" smtClean="0"/>
-              <a:t>8/1/2025</a:t>
+              <a:t>8/5/2025</a:t>
             </a:fld>
             <a:endParaRPr lang="en-US"/>
           </a:p>
@@ -821,7 +1258,7 @@
           <a:p>
             <a:fld id="{241EB5C9-1307-BA42-ABA2-0BC069CD8E7F}" type="datetimeFigureOut">
               <a:rPr lang="en-US" smtClean="0"/>
-              <a:t>8/1/2025</a:t>
+              <a:t>8/5/2025</a:t>
             </a:fld>
             <a:endParaRPr lang="en-US"/>
           </a:p>
@@ -1066,7 +1503,7 @@
           <a:p>
             <a:fld id="{241EB5C9-1307-BA42-ABA2-0BC069CD8E7F}" type="datetimeFigureOut">
               <a:rPr lang="en-US" smtClean="0"/>
-              <a:t>8/1/2025</a:t>
+              <a:t>8/5/2025</a:t>
             </a:fld>
             <a:endParaRPr lang="en-US"/>
           </a:p>
@@ -1351,7 +1788,7 @@
           <a:p>
             <a:fld id="{241EB5C9-1307-BA42-ABA2-0BC069CD8E7F}" type="datetimeFigureOut">
               <a:rPr lang="en-US" smtClean="0"/>
-              <a:t>8/1/2025</a:t>
+              <a:t>8/5/2025</a:t>
             </a:fld>
             <a:endParaRPr lang="en-US"/>
           </a:p>
@@ -1770,7 +2207,7 @@
           <a:p>
             <a:fld id="{241EB5C9-1307-BA42-ABA2-0BC069CD8E7F}" type="datetimeFigureOut">
               <a:rPr lang="en-US" smtClean="0"/>
-              <a:t>8/1/2025</a:t>
+              <a:t>8/5/2025</a:t>
             </a:fld>
             <a:endParaRPr lang="en-US"/>
           </a:p>
@@ -1887,7 +2324,7 @@
           <a:p>
             <a:fld id="{241EB5C9-1307-BA42-ABA2-0BC069CD8E7F}" type="datetimeFigureOut">
               <a:rPr lang="en-US" smtClean="0"/>
-              <a:t>8/1/2025</a:t>
+              <a:t>8/5/2025</a:t>
             </a:fld>
             <a:endParaRPr lang="en-US"/>
           </a:p>
@@ -1982,7 +2419,7 @@
           <a:p>
             <a:fld id="{241EB5C9-1307-BA42-ABA2-0BC069CD8E7F}" type="datetimeFigureOut">
               <a:rPr lang="en-US" smtClean="0"/>
-              <a:t>8/1/2025</a:t>
+              <a:t>8/5/2025</a:t>
             </a:fld>
             <a:endParaRPr lang="en-US"/>
           </a:p>
@@ -2257,7 +2694,7 @@
           <a:p>
             <a:fld id="{241EB5C9-1307-BA42-ABA2-0BC069CD8E7F}" type="datetimeFigureOut">
               <a:rPr lang="en-US" smtClean="0"/>
-              <a:t>8/1/2025</a:t>
+              <a:t>8/5/2025</a:t>
             </a:fld>
             <a:endParaRPr lang="en-US"/>
           </a:p>
@@ -2509,7 +2946,7 @@
           <a:p>
             <a:fld id="{241EB5C9-1307-BA42-ABA2-0BC069CD8E7F}" type="datetimeFigureOut">
               <a:rPr lang="en-US" smtClean="0"/>
-              <a:t>8/1/2025</a:t>
+              <a:t>8/5/2025</a:t>
             </a:fld>
             <a:endParaRPr lang="en-US"/>
           </a:p>
@@ -2720,7 +3157,7 @@
           <a:p>
             <a:fld id="{241EB5C9-1307-BA42-ABA2-0BC069CD8E7F}" type="datetimeFigureOut">
               <a:rPr lang="en-US" smtClean="0"/>
-              <a:t>8/1/2025</a:t>
+              <a:t>8/5/2025</a:t>
             </a:fld>
             <a:endParaRPr lang="en-US"/>
           </a:p>
@@ -3081,6 +3518,14 @@
 <file path=ppt/slides/slide1.xml><?xml version="1.0" encoding="utf-8"?>
 <p:sld xmlns:a="http://schemas.openxmlformats.org/drawingml/2006/main" xmlns:r="http://schemas.openxmlformats.org/officeDocument/2006/relationships" xmlns:p="http://schemas.openxmlformats.org/presentationml/2006/main">
   <p:cSld>
+    <p:bg>
+      <p:bgPr>
+        <a:solidFill>
+          <a:schemeClr val="bg1"/>
+        </a:solidFill>
+        <a:effectLst/>
+      </p:bgPr>
+    </p:bg>
     <p:spTree>
       <p:nvGrpSpPr>
         <p:cNvPr id="1" name=""/>
@@ -3095,34 +3540,680 @@
           <a:chExt cx="0" cy="0"/>
         </a:xfrm>
       </p:grpSpPr>
+      <p:sp>
+        <p:nvSpPr>
+          <p:cNvPr id="7" name="Rectangle 6">
+            <a:extLst>
+              <a:ext uri="{FF2B5EF4-FFF2-40B4-BE49-F238E27FC236}">
+                <a16:creationId xmlns:a16="http://schemas.microsoft.com/office/drawing/2014/main" id="{0B761509-3B9A-49A6-A84B-C3D86811697D}"/>
+              </a:ext>
+              <a:ext uri="{C183D7F6-B498-43B3-948B-1728B52AA6E4}">
+                <adec:decorative xmlns:adec="http://schemas.microsoft.com/office/drawing/2017/decorative" val="1"/>
+              </a:ext>
+            </a:extLst>
+          </p:cNvPr>
+          <p:cNvSpPr>
+            <a:spLocks noGrp="1" noRot="1" noChangeAspect="1" noMove="1" noResize="1" noEditPoints="1" noAdjustHandles="1" noChangeArrowheads="1" noChangeShapeType="1" noTextEdit="1"/>
+          </p:cNvSpPr>
+          <p:nvPr>
+            <p:extLst>
+              <p:ext uri="{386F3935-93C4-4BCD-93E2-E3B085C9AB24}">
+                <p16:designElem xmlns:p16="http://schemas.microsoft.com/office/powerpoint/2015/main" val="1"/>
+              </p:ext>
+            </p:extLst>
+          </p:nvPr>
+        </p:nvSpPr>
+        <p:spPr>
+          <a:xfrm>
+            <a:off x="1" y="0"/>
+            <a:ext cx="9143998" cy="5143500"/>
+          </a:xfrm>
+          <a:prstGeom prst="rect">
+            <a:avLst/>
+          </a:prstGeom>
+          <a:solidFill>
+            <a:schemeClr val="tx1"/>
+          </a:solidFill>
+          <a:ln>
+            <a:noFill/>
+          </a:ln>
+        </p:spPr>
+        <p:style>
+          <a:lnRef idx="2">
+            <a:schemeClr val="accent1">
+              <a:shade val="50000"/>
+            </a:schemeClr>
+          </a:lnRef>
+          <a:fillRef idx="1">
+            <a:schemeClr val="accent1"/>
+          </a:fillRef>
+          <a:effectRef idx="0">
+            <a:schemeClr val="accent1"/>
+          </a:effectRef>
+          <a:fontRef idx="minor">
+            <a:schemeClr val="lt1"/>
+          </a:fontRef>
+        </p:style>
+        <p:txBody>
+          <a:bodyPr rtlCol="0" anchor="ctr"/>
+          <a:lstStyle/>
+          <a:p>
+            <a:pPr algn="ctr"/>
+            <a:endParaRPr lang="en-US"/>
+          </a:p>
+        </p:txBody>
+      </p:sp>
+      <p:sp useBgFill="1">
+        <p:nvSpPr>
+          <p:cNvPr id="9" name="Freeform: Shape 8">
+            <a:extLst>
+              <a:ext uri="{FF2B5EF4-FFF2-40B4-BE49-F238E27FC236}">
+                <a16:creationId xmlns:a16="http://schemas.microsoft.com/office/drawing/2014/main" id="{91DE43FD-EB47-414A-B0AB-169B0FFFA527}"/>
+              </a:ext>
+              <a:ext uri="{C183D7F6-B498-43B3-948B-1728B52AA6E4}">
+                <adec:decorative xmlns:adec="http://schemas.microsoft.com/office/drawing/2017/decorative" val="1"/>
+              </a:ext>
+            </a:extLst>
+          </p:cNvPr>
+          <p:cNvSpPr>
+            <a:spLocks noGrp="1" noRot="1" noChangeAspect="1" noMove="1" noResize="1" noEditPoints="1" noAdjustHandles="1" noChangeArrowheads="1" noChangeShapeType="1" noTextEdit="1"/>
+          </p:cNvSpPr>
+          <p:nvPr>
+            <p:extLst>
+              <p:ext uri="{386F3935-93C4-4BCD-93E2-E3B085C9AB24}">
+                <p16:designElem xmlns:p16="http://schemas.microsoft.com/office/powerpoint/2015/main" val="1"/>
+              </p:ext>
+            </p:extLst>
+          </p:nvPr>
+        </p:nvSpPr>
+        <p:spPr>
+          <a:xfrm>
+            <a:off x="0" y="0"/>
+            <a:ext cx="6954691" cy="5143500"/>
+          </a:xfrm>
+          <a:custGeom>
+            <a:avLst/>
+            <a:gdLst>
+              <a:gd name="connsiteX0" fmla="*/ 0 w 9272922"/>
+              <a:gd name="connsiteY0" fmla="*/ 0 h 6858000"/>
+              <a:gd name="connsiteX1" fmla="*/ 1733417 w 9272922"/>
+              <a:gd name="connsiteY1" fmla="*/ 0 h 6858000"/>
+              <a:gd name="connsiteX2" fmla="*/ 3307976 w 9272922"/>
+              <a:gd name="connsiteY2" fmla="*/ 0 h 6858000"/>
+              <a:gd name="connsiteX3" fmla="*/ 8126249 w 9272922"/>
+              <a:gd name="connsiteY3" fmla="*/ 0 h 6858000"/>
+              <a:gd name="connsiteX4" fmla="*/ 8138896 w 9272922"/>
+              <a:gd name="connsiteY4" fmla="*/ 31774 h 6858000"/>
+              <a:gd name="connsiteX5" fmla="*/ 9193904 w 9272922"/>
+              <a:gd name="connsiteY5" fmla="*/ 2682457 h 6858000"/>
+              <a:gd name="connsiteX6" fmla="*/ 9193904 w 9272922"/>
+              <a:gd name="connsiteY6" fmla="*/ 3752208 h 6858000"/>
+              <a:gd name="connsiteX7" fmla="*/ 8036400 w 9272922"/>
+              <a:gd name="connsiteY7" fmla="*/ 6660411 h 6858000"/>
+              <a:gd name="connsiteX8" fmla="*/ 7957938 w 9272922"/>
+              <a:gd name="connsiteY8" fmla="*/ 6857542 h 6858000"/>
+              <a:gd name="connsiteX9" fmla="*/ 3307976 w 9272922"/>
+              <a:gd name="connsiteY9" fmla="*/ 6857542 h 6858000"/>
+              <a:gd name="connsiteX10" fmla="*/ 3307976 w 9272922"/>
+              <a:gd name="connsiteY10" fmla="*/ 6858000 h 6858000"/>
+              <a:gd name="connsiteX11" fmla="*/ 0 w 9272922"/>
+              <a:gd name="connsiteY11" fmla="*/ 6858000 h 6858000"/>
+            </a:gdLst>
+            <a:ahLst/>
+            <a:cxnLst>
+              <a:cxn ang="0">
+                <a:pos x="connsiteX0" y="connsiteY0"/>
+              </a:cxn>
+              <a:cxn ang="0">
+                <a:pos x="connsiteX1" y="connsiteY1"/>
+              </a:cxn>
+              <a:cxn ang="0">
+                <a:pos x="connsiteX2" y="connsiteY2"/>
+              </a:cxn>
+              <a:cxn ang="0">
+                <a:pos x="connsiteX3" y="connsiteY3"/>
+              </a:cxn>
+              <a:cxn ang="0">
+                <a:pos x="connsiteX4" y="connsiteY4"/>
+              </a:cxn>
+              <a:cxn ang="0">
+                <a:pos x="connsiteX5" y="connsiteY5"/>
+              </a:cxn>
+              <a:cxn ang="0">
+                <a:pos x="connsiteX6" y="connsiteY6"/>
+              </a:cxn>
+              <a:cxn ang="0">
+                <a:pos x="connsiteX7" y="connsiteY7"/>
+              </a:cxn>
+              <a:cxn ang="0">
+                <a:pos x="connsiteX8" y="connsiteY8"/>
+              </a:cxn>
+              <a:cxn ang="0">
+                <a:pos x="connsiteX9" y="connsiteY9"/>
+              </a:cxn>
+              <a:cxn ang="0">
+                <a:pos x="connsiteX10" y="connsiteY10"/>
+              </a:cxn>
+              <a:cxn ang="0">
+                <a:pos x="connsiteX11" y="connsiteY11"/>
+              </a:cxn>
+            </a:cxnLst>
+            <a:rect l="l" t="t" r="r" b="b"/>
+            <a:pathLst>
+              <a:path w="9272922" h="6858000">
+                <a:moveTo>
+                  <a:pt x="0" y="0"/>
+                </a:moveTo>
+                <a:lnTo>
+                  <a:pt x="1733417" y="0"/>
+                </a:lnTo>
+                <a:lnTo>
+                  <a:pt x="3307976" y="0"/>
+                </a:lnTo>
+                <a:lnTo>
+                  <a:pt x="8126249" y="0"/>
+                </a:lnTo>
+                <a:lnTo>
+                  <a:pt x="8138896" y="31774"/>
+                </a:lnTo>
+                <a:cubicBezTo>
+                  <a:pt x="9193904" y="2682457"/>
+                  <a:pt x="9193904" y="2682457"/>
+                  <a:pt x="9193904" y="2682457"/>
+                </a:cubicBezTo>
+                <a:cubicBezTo>
+                  <a:pt x="9299262" y="2988100"/>
+                  <a:pt x="9299262" y="3446565"/>
+                  <a:pt x="9193904" y="3752208"/>
+                </a:cubicBezTo>
+                <a:cubicBezTo>
+                  <a:pt x="8709916" y="4968215"/>
+                  <a:pt x="8331802" y="5918220"/>
+                  <a:pt x="8036400" y="6660411"/>
+                </a:cubicBezTo>
+                <a:lnTo>
+                  <a:pt x="7957938" y="6857542"/>
+                </a:lnTo>
+                <a:lnTo>
+                  <a:pt x="3307976" y="6857542"/>
+                </a:lnTo>
+                <a:lnTo>
+                  <a:pt x="3307976" y="6858000"/>
+                </a:lnTo>
+                <a:lnTo>
+                  <a:pt x="0" y="6858000"/>
+                </a:lnTo>
+                <a:close/>
+              </a:path>
+            </a:pathLst>
+          </a:custGeom>
+          <a:ln>
+            <a:noFill/>
+          </a:ln>
+        </p:spPr>
+        <p:style>
+          <a:lnRef idx="2">
+            <a:schemeClr val="accent1">
+              <a:shade val="50000"/>
+            </a:schemeClr>
+          </a:lnRef>
+          <a:fillRef idx="1">
+            <a:schemeClr val="accent1"/>
+          </a:fillRef>
+          <a:effectRef idx="0">
+            <a:schemeClr val="accent1"/>
+          </a:effectRef>
+          <a:fontRef idx="minor">
+            <a:schemeClr val="lt1"/>
+          </a:fontRef>
+        </p:style>
+        <p:txBody>
+          <a:bodyPr wrap="square" rtlCol="0" anchor="ctr">
+            <a:noAutofit/>
+          </a:bodyPr>
+          <a:lstStyle/>
+          <a:p>
+            <a:pPr algn="ctr"/>
+            <a:endParaRPr lang="en-US"/>
+          </a:p>
+        </p:txBody>
+      </p:sp>
+      <p:grpSp>
+        <p:nvGrpSpPr>
+          <p:cNvPr id="11" name="Group 10">
+            <a:extLst>
+              <a:ext uri="{FF2B5EF4-FFF2-40B4-BE49-F238E27FC236}">
+                <a16:creationId xmlns:a16="http://schemas.microsoft.com/office/drawing/2014/main" id="{58495BCC-CE77-4CC2-952E-846F41119FD5}"/>
+              </a:ext>
+              <a:ext uri="{C183D7F6-B498-43B3-948B-1728B52AA6E4}">
+                <adec:decorative xmlns:adec="http://schemas.microsoft.com/office/drawing/2017/decorative" val="1"/>
+              </a:ext>
+            </a:extLst>
+          </p:cNvPr>
+          <p:cNvGrpSpPr>
+            <a:grpSpLocks noGrp="1" noUngrp="1" noRot="1" noChangeAspect="1" noMove="1" noResize="1"/>
+          </p:cNvGrpSpPr>
+          <p:nvPr>
+            <p:extLst>
+              <p:ext uri="{386F3935-93C4-4BCD-93E2-E3B085C9AB24}">
+                <p16:designElem xmlns:p16="http://schemas.microsoft.com/office/powerpoint/2015/main" val="1"/>
+              </p:ext>
+            </p:extLst>
+          </p:nvPr>
+        </p:nvGrpSpPr>
+        <p:grpSpPr>
+          <a:xfrm>
+            <a:off x="6870420" y="806391"/>
+            <a:ext cx="1171701" cy="879729"/>
+            <a:chOff x="9160561" y="1075188"/>
+            <a:chExt cx="1562267" cy="1172973"/>
+          </a:xfrm>
+        </p:grpSpPr>
+        <p:sp>
+          <p:nvSpPr>
+            <p:cNvPr id="12" name="Freeform 5">
+              <a:extLst>
+                <a:ext uri="{FF2B5EF4-FFF2-40B4-BE49-F238E27FC236}">
+                  <a16:creationId xmlns:a16="http://schemas.microsoft.com/office/drawing/2014/main" id="{1B42538B-E30F-4967-A6C1-8EBA775F4D60}"/>
+                </a:ext>
+                <a:ext uri="{C183D7F6-B498-43B3-948B-1728B52AA6E4}">
+                  <adec:decorative xmlns:adec="http://schemas.microsoft.com/office/drawing/2017/decorative" val="1"/>
+                </a:ext>
+              </a:extLst>
+            </p:cNvPr>
+            <p:cNvSpPr>
+              <a:spLocks/>
+            </p:cNvSpPr>
+            <p:nvPr>
+              <p:extLst>
+                <p:ext uri="{386F3935-93C4-4BCD-93E2-E3B085C9AB24}">
+                  <p16:designElem xmlns:p16="http://schemas.microsoft.com/office/powerpoint/2015/main" val="1"/>
+                </p:ext>
+              </p:extLst>
+            </p:nvPr>
+          </p:nvSpPr>
+          <p:spPr bwMode="auto">
+            <a:xfrm>
+              <a:off x="9160561" y="1423846"/>
+              <a:ext cx="935037" cy="824315"/>
+            </a:xfrm>
+            <a:custGeom>
+              <a:avLst/>
+              <a:gdLst>
+                <a:gd name="T0" fmla="*/ 225 w 785"/>
+                <a:gd name="T1" fmla="*/ 692 h 692"/>
+                <a:gd name="T2" fmla="*/ 177 w 785"/>
+                <a:gd name="T3" fmla="*/ 665 h 692"/>
+                <a:gd name="T4" fmla="*/ 9 w 785"/>
+                <a:gd name="T5" fmla="*/ 374 h 692"/>
+                <a:gd name="T6" fmla="*/ 9 w 785"/>
+                <a:gd name="T7" fmla="*/ 318 h 692"/>
+                <a:gd name="T8" fmla="*/ 177 w 785"/>
+                <a:gd name="T9" fmla="*/ 27 h 692"/>
+                <a:gd name="T10" fmla="*/ 225 w 785"/>
+                <a:gd name="T11" fmla="*/ 0 h 692"/>
+                <a:gd name="T12" fmla="*/ 561 w 785"/>
+                <a:gd name="T13" fmla="*/ 0 h 692"/>
+                <a:gd name="T14" fmla="*/ 609 w 785"/>
+                <a:gd name="T15" fmla="*/ 27 h 692"/>
+                <a:gd name="T16" fmla="*/ 777 w 785"/>
+                <a:gd name="T17" fmla="*/ 318 h 692"/>
+                <a:gd name="T18" fmla="*/ 777 w 785"/>
+                <a:gd name="T19" fmla="*/ 374 h 692"/>
+                <a:gd name="T20" fmla="*/ 609 w 785"/>
+                <a:gd name="T21" fmla="*/ 665 h 692"/>
+                <a:gd name="T22" fmla="*/ 561 w 785"/>
+                <a:gd name="T23" fmla="*/ 692 h 692"/>
+                <a:gd name="T24" fmla="*/ 225 w 785"/>
+                <a:gd name="T25" fmla="*/ 692 h 692"/>
+              </a:gdLst>
+              <a:ahLst/>
+              <a:cxnLst>
+                <a:cxn ang="0">
+                  <a:pos x="T0" y="T1"/>
+                </a:cxn>
+                <a:cxn ang="0">
+                  <a:pos x="T2" y="T3"/>
+                </a:cxn>
+                <a:cxn ang="0">
+                  <a:pos x="T4" y="T5"/>
+                </a:cxn>
+                <a:cxn ang="0">
+                  <a:pos x="T6" y="T7"/>
+                </a:cxn>
+                <a:cxn ang="0">
+                  <a:pos x="T8" y="T9"/>
+                </a:cxn>
+                <a:cxn ang="0">
+                  <a:pos x="T10" y="T11"/>
+                </a:cxn>
+                <a:cxn ang="0">
+                  <a:pos x="T12" y="T13"/>
+                </a:cxn>
+                <a:cxn ang="0">
+                  <a:pos x="T14" y="T15"/>
+                </a:cxn>
+                <a:cxn ang="0">
+                  <a:pos x="T16" y="T17"/>
+                </a:cxn>
+                <a:cxn ang="0">
+                  <a:pos x="T18" y="T19"/>
+                </a:cxn>
+                <a:cxn ang="0">
+                  <a:pos x="T20" y="T21"/>
+                </a:cxn>
+                <a:cxn ang="0">
+                  <a:pos x="T22" y="T23"/>
+                </a:cxn>
+                <a:cxn ang="0">
+                  <a:pos x="T24" y="T25"/>
+                </a:cxn>
+              </a:cxnLst>
+              <a:rect l="0" t="0" r="r" b="b"/>
+              <a:pathLst>
+                <a:path w="785" h="692">
+                  <a:moveTo>
+                    <a:pt x="225" y="692"/>
+                  </a:moveTo>
+                  <a:cubicBezTo>
+                    <a:pt x="207" y="692"/>
+                    <a:pt x="185" y="680"/>
+                    <a:pt x="177" y="665"/>
+                  </a:cubicBezTo>
+                  <a:cubicBezTo>
+                    <a:pt x="9" y="374"/>
+                    <a:pt x="9" y="374"/>
+                    <a:pt x="9" y="374"/>
+                  </a:cubicBezTo>
+                  <a:cubicBezTo>
+                    <a:pt x="0" y="358"/>
+                    <a:pt x="0" y="334"/>
+                    <a:pt x="9" y="318"/>
+                  </a:cubicBezTo>
+                  <a:cubicBezTo>
+                    <a:pt x="177" y="27"/>
+                    <a:pt x="177" y="27"/>
+                    <a:pt x="177" y="27"/>
+                  </a:cubicBezTo>
+                  <a:cubicBezTo>
+                    <a:pt x="185" y="12"/>
+                    <a:pt x="207" y="0"/>
+                    <a:pt x="225" y="0"/>
+                  </a:cubicBezTo>
+                  <a:cubicBezTo>
+                    <a:pt x="561" y="0"/>
+                    <a:pt x="561" y="0"/>
+                    <a:pt x="561" y="0"/>
+                  </a:cubicBezTo>
+                  <a:cubicBezTo>
+                    <a:pt x="578" y="0"/>
+                    <a:pt x="600" y="12"/>
+                    <a:pt x="609" y="27"/>
+                  </a:cubicBezTo>
+                  <a:cubicBezTo>
+                    <a:pt x="777" y="318"/>
+                    <a:pt x="777" y="318"/>
+                    <a:pt x="777" y="318"/>
+                  </a:cubicBezTo>
+                  <a:cubicBezTo>
+                    <a:pt x="785" y="334"/>
+                    <a:pt x="785" y="358"/>
+                    <a:pt x="777" y="374"/>
+                  </a:cubicBezTo>
+                  <a:cubicBezTo>
+                    <a:pt x="609" y="665"/>
+                    <a:pt x="609" y="665"/>
+                    <a:pt x="609" y="665"/>
+                  </a:cubicBezTo>
+                  <a:cubicBezTo>
+                    <a:pt x="600" y="680"/>
+                    <a:pt x="578" y="692"/>
+                    <a:pt x="561" y="692"/>
+                  </a:cubicBezTo>
+                  <a:lnTo>
+                    <a:pt x="225" y="692"/>
+                  </a:lnTo>
+                  <a:close/>
+                </a:path>
+              </a:pathLst>
+            </a:custGeom>
+            <a:noFill/>
+            <a:ln w="28575" cmpd="sng">
+              <a:solidFill>
+                <a:schemeClr val="bg1"/>
+              </a:solidFill>
+            </a:ln>
+          </p:spPr>
+          <p:txBody>
+            <a:bodyPr vert="horz" wrap="square" lIns="91440" tIns="45720" rIns="91440" bIns="45720" numCol="1" anchor="t" anchorCtr="0" compatLnSpc="1">
+              <a:prstTxWarp prst="textNoShape">
+                <a:avLst/>
+              </a:prstTxWarp>
+            </a:bodyPr>
+            <a:lstStyle/>
+            <a:p>
+              <a:endParaRPr lang="en-US"/>
+            </a:p>
+          </p:txBody>
+        </p:sp>
+        <p:sp>
+          <p:nvSpPr>
+            <p:cNvPr id="13" name="Freeform 5">
+              <a:extLst>
+                <a:ext uri="{FF2B5EF4-FFF2-40B4-BE49-F238E27FC236}">
+                  <a16:creationId xmlns:a16="http://schemas.microsoft.com/office/drawing/2014/main" id="{9A6BD9AC-4DE7-4B20-8547-4E3B375C21F7}"/>
+                </a:ext>
+                <a:ext uri="{C183D7F6-B498-43B3-948B-1728B52AA6E4}">
+                  <adec:decorative xmlns:adec="http://schemas.microsoft.com/office/drawing/2017/decorative" val="1"/>
+                </a:ext>
+              </a:extLst>
+            </p:cNvPr>
+            <p:cNvSpPr>
+              <a:spLocks/>
+            </p:cNvSpPr>
+            <p:nvPr>
+              <p:extLst>
+                <p:ext uri="{386F3935-93C4-4BCD-93E2-E3B085C9AB24}">
+                  <p16:designElem xmlns:p16="http://schemas.microsoft.com/office/powerpoint/2015/main" val="1"/>
+                </p:ext>
+              </p:extLst>
+            </p:nvPr>
+          </p:nvSpPr>
+          <p:spPr bwMode="auto">
+            <a:xfrm>
+              <a:off x="9960661" y="1075188"/>
+              <a:ext cx="762167" cy="671915"/>
+            </a:xfrm>
+            <a:custGeom>
+              <a:avLst/>
+              <a:gdLst>
+                <a:gd name="T0" fmla="*/ 225 w 785"/>
+                <a:gd name="T1" fmla="*/ 692 h 692"/>
+                <a:gd name="T2" fmla="*/ 177 w 785"/>
+                <a:gd name="T3" fmla="*/ 665 h 692"/>
+                <a:gd name="T4" fmla="*/ 9 w 785"/>
+                <a:gd name="T5" fmla="*/ 374 h 692"/>
+                <a:gd name="T6" fmla="*/ 9 w 785"/>
+                <a:gd name="T7" fmla="*/ 318 h 692"/>
+                <a:gd name="T8" fmla="*/ 177 w 785"/>
+                <a:gd name="T9" fmla="*/ 27 h 692"/>
+                <a:gd name="T10" fmla="*/ 225 w 785"/>
+                <a:gd name="T11" fmla="*/ 0 h 692"/>
+                <a:gd name="T12" fmla="*/ 561 w 785"/>
+                <a:gd name="T13" fmla="*/ 0 h 692"/>
+                <a:gd name="T14" fmla="*/ 609 w 785"/>
+                <a:gd name="T15" fmla="*/ 27 h 692"/>
+                <a:gd name="T16" fmla="*/ 777 w 785"/>
+                <a:gd name="T17" fmla="*/ 318 h 692"/>
+                <a:gd name="T18" fmla="*/ 777 w 785"/>
+                <a:gd name="T19" fmla="*/ 374 h 692"/>
+                <a:gd name="T20" fmla="*/ 609 w 785"/>
+                <a:gd name="T21" fmla="*/ 665 h 692"/>
+                <a:gd name="T22" fmla="*/ 561 w 785"/>
+                <a:gd name="T23" fmla="*/ 692 h 692"/>
+                <a:gd name="T24" fmla="*/ 225 w 785"/>
+                <a:gd name="T25" fmla="*/ 692 h 692"/>
+              </a:gdLst>
+              <a:ahLst/>
+              <a:cxnLst>
+                <a:cxn ang="0">
+                  <a:pos x="T0" y="T1"/>
+                </a:cxn>
+                <a:cxn ang="0">
+                  <a:pos x="T2" y="T3"/>
+                </a:cxn>
+                <a:cxn ang="0">
+                  <a:pos x="T4" y="T5"/>
+                </a:cxn>
+                <a:cxn ang="0">
+                  <a:pos x="T6" y="T7"/>
+                </a:cxn>
+                <a:cxn ang="0">
+                  <a:pos x="T8" y="T9"/>
+                </a:cxn>
+                <a:cxn ang="0">
+                  <a:pos x="T10" y="T11"/>
+                </a:cxn>
+                <a:cxn ang="0">
+                  <a:pos x="T12" y="T13"/>
+                </a:cxn>
+                <a:cxn ang="0">
+                  <a:pos x="T14" y="T15"/>
+                </a:cxn>
+                <a:cxn ang="0">
+                  <a:pos x="T16" y="T17"/>
+                </a:cxn>
+                <a:cxn ang="0">
+                  <a:pos x="T18" y="T19"/>
+                </a:cxn>
+                <a:cxn ang="0">
+                  <a:pos x="T20" y="T21"/>
+                </a:cxn>
+                <a:cxn ang="0">
+                  <a:pos x="T22" y="T23"/>
+                </a:cxn>
+                <a:cxn ang="0">
+                  <a:pos x="T24" y="T25"/>
+                </a:cxn>
+              </a:cxnLst>
+              <a:rect l="0" t="0" r="r" b="b"/>
+              <a:pathLst>
+                <a:path w="785" h="692">
+                  <a:moveTo>
+                    <a:pt x="225" y="692"/>
+                  </a:moveTo>
+                  <a:cubicBezTo>
+                    <a:pt x="207" y="692"/>
+                    <a:pt x="185" y="680"/>
+                    <a:pt x="177" y="665"/>
+                  </a:cubicBezTo>
+                  <a:cubicBezTo>
+                    <a:pt x="9" y="374"/>
+                    <a:pt x="9" y="374"/>
+                    <a:pt x="9" y="374"/>
+                  </a:cubicBezTo>
+                  <a:cubicBezTo>
+                    <a:pt x="0" y="358"/>
+                    <a:pt x="0" y="334"/>
+                    <a:pt x="9" y="318"/>
+                  </a:cubicBezTo>
+                  <a:cubicBezTo>
+                    <a:pt x="177" y="27"/>
+                    <a:pt x="177" y="27"/>
+                    <a:pt x="177" y="27"/>
+                  </a:cubicBezTo>
+                  <a:cubicBezTo>
+                    <a:pt x="185" y="12"/>
+                    <a:pt x="207" y="0"/>
+                    <a:pt x="225" y="0"/>
+                  </a:cubicBezTo>
+                  <a:cubicBezTo>
+                    <a:pt x="561" y="0"/>
+                    <a:pt x="561" y="0"/>
+                    <a:pt x="561" y="0"/>
+                  </a:cubicBezTo>
+                  <a:cubicBezTo>
+                    <a:pt x="578" y="0"/>
+                    <a:pt x="600" y="12"/>
+                    <a:pt x="609" y="27"/>
+                  </a:cubicBezTo>
+                  <a:cubicBezTo>
+                    <a:pt x="777" y="318"/>
+                    <a:pt x="777" y="318"/>
+                    <a:pt x="777" y="318"/>
+                  </a:cubicBezTo>
+                  <a:cubicBezTo>
+                    <a:pt x="785" y="334"/>
+                    <a:pt x="785" y="358"/>
+                    <a:pt x="777" y="374"/>
+                  </a:cubicBezTo>
+                  <a:cubicBezTo>
+                    <a:pt x="609" y="665"/>
+                    <a:pt x="609" y="665"/>
+                    <a:pt x="609" y="665"/>
+                  </a:cubicBezTo>
+                  <a:cubicBezTo>
+                    <a:pt x="600" y="680"/>
+                    <a:pt x="578" y="692"/>
+                    <a:pt x="561" y="692"/>
+                  </a:cubicBezTo>
+                  <a:lnTo>
+                    <a:pt x="225" y="692"/>
+                  </a:lnTo>
+                  <a:close/>
+                </a:path>
+              </a:pathLst>
+            </a:custGeom>
+            <a:noFill/>
+            <a:ln w="28575" cmpd="sng">
+              <a:solidFill>
+                <a:schemeClr val="bg1"/>
+              </a:solidFill>
+            </a:ln>
+          </p:spPr>
+          <p:txBody>
+            <a:bodyPr vert="horz" wrap="square" lIns="91440" tIns="45720" rIns="91440" bIns="45720" numCol="1" anchor="t" anchorCtr="0" compatLnSpc="1">
+              <a:prstTxWarp prst="textNoShape">
+                <a:avLst/>
+              </a:prstTxWarp>
+            </a:bodyPr>
+            <a:lstStyle/>
+            <a:p>
+              <a:endParaRPr lang="en-US"/>
+            </a:p>
+          </p:txBody>
+        </p:sp>
+      </p:grpSp>
       <p:pic>
         <p:nvPicPr>
-          <p:cNvPr id="2" name="Picture 1" descr="sqlserver.png"/>
+          <p:cNvPr id="4" name="Picture 3" descr="sqlserver.png">
+            <a:extLst>
+              <a:ext uri="{FF2B5EF4-FFF2-40B4-BE49-F238E27FC236}">
+                <a16:creationId xmlns:a16="http://schemas.microsoft.com/office/drawing/2014/main" id="{217F41E3-F40C-27A1-D947-EC9EE2F84062}"/>
+              </a:ext>
+            </a:extLst>
+          </p:cNvPr>
           <p:cNvPicPr>
             <a:picLocks noGrp="1" noChangeAspect="1"/>
           </p:cNvPicPr>
           <p:nvPr/>
         </p:nvPicPr>
         <p:blipFill>
-          <a:blip r:embed="rId2"/>
+          <a:blip r:embed="rId3"/>
+          <a:srcRect l="2193" t="4481" r="3658" b="6674"/>
           <a:stretch>
             <a:fillRect/>
           </a:stretch>
         </p:blipFill>
         <p:spPr bwMode="auto">
           <a:xfrm>
-            <a:off x="457200" y="1524000"/>
-            <a:ext cx="8229600" cy="2222500"/>
+            <a:off x="131736" y="1619573"/>
+            <a:ext cx="6540285" cy="1666364"/>
           </a:xfrm>
           <a:prstGeom prst="rect">
             <a:avLst/>
           </a:prstGeom>
           <a:noFill/>
-          <a:ln w="9525">
-            <a:noFill/>
-            <a:headEnd/>
-            <a:tailEnd/>
-          </a:ln>
         </p:spPr>
       </p:pic>
     </p:spTree>
@@ -3152,31 +4243,6 @@
       </p:grpSpPr>
       <p:sp>
         <p:nvSpPr>
-          <p:cNvPr id="2" name="Title 1"/>
-          <p:cNvSpPr>
-            <a:spLocks noGrp="1"/>
-          </p:cNvSpPr>
-          <p:nvPr>
-            <p:ph type="title"/>
-          </p:nvPr>
-        </p:nvSpPr>
-        <p:spPr/>
-        <p:txBody>
-          <a:bodyPr/>
-          <a:lstStyle/>
-          <a:p>
-            <a:pPr marL="0" lvl="0" indent="0">
-              <a:buNone/>
-            </a:pPr>
-            <a:r>
-              <a:rPr dirty="0"/>
-              <a:t>Database, Schema, and User</a:t>
-            </a:r>
-          </a:p>
-        </p:txBody>
-      </p:sp>
-      <p:sp>
-        <p:nvSpPr>
           <p:cNvPr id="3" name="Content Placeholder 2"/>
           <p:cNvSpPr>
             <a:spLocks noGrp="1"/>
@@ -3185,7 +4251,12 @@
             <p:ph idx="1"/>
           </p:nvPr>
         </p:nvSpPr>
-        <p:spPr/>
+        <p:spPr>
+          <a:xfrm>
+            <a:off x="457200" y="874514"/>
+            <a:ext cx="8229600" cy="3394472"/>
+          </a:xfrm>
+        </p:spPr>
         <p:txBody>
           <a:bodyPr>
             <a:noAutofit/>
@@ -3298,6 +4369,158 @@
               <a:rPr sz="1800" dirty="0"/>
               <a:t> can be created to access these schemas and their contents.</a:t>
             </a:r>
+          </a:p>
+        </p:txBody>
+      </p:sp>
+      <p:sp>
+        <p:nvSpPr>
+          <p:cNvPr id="4" name="Title 1">
+            <a:extLst>
+              <a:ext uri="{FF2B5EF4-FFF2-40B4-BE49-F238E27FC236}">
+                <a16:creationId xmlns:a16="http://schemas.microsoft.com/office/drawing/2014/main" id="{FF68A324-BA8D-0B80-6CF7-76E8230F8E9A}"/>
+              </a:ext>
+            </a:extLst>
+          </p:cNvPr>
+          <p:cNvSpPr txBox="1">
+            <a:spLocks/>
+          </p:cNvSpPr>
+          <p:nvPr/>
+        </p:nvSpPr>
+        <p:spPr>
+          <a:xfrm>
+            <a:off x="0" y="1"/>
+            <a:ext cx="9144000" cy="548876"/>
+          </a:xfrm>
+          <a:prstGeom prst="rect">
+            <a:avLst/>
+          </a:prstGeom>
+          <a:solidFill>
+            <a:schemeClr val="tx1"/>
+          </a:solidFill>
+        </p:spPr>
+        <p:txBody>
+          <a:bodyPr vert="horz" lIns="91440" tIns="45720" rIns="91440" bIns="45720" rtlCol="0" anchor="ctr">
+            <a:normAutofit/>
+          </a:bodyPr>
+          <a:lstStyle>
+            <a:lvl1pPr algn="ctr" defTabSz="342900" rtl="0" eaLnBrk="1" latinLnBrk="0" hangingPunct="1">
+              <a:spcBef>
+                <a:spcPct val="0"/>
+              </a:spcBef>
+              <a:buNone/>
+              <a:defRPr sz="3300" kern="1200">
+                <a:solidFill>
+                  <a:schemeClr val="tx1"/>
+                </a:solidFill>
+                <a:latin typeface="+mj-lt"/>
+                <a:ea typeface="+mj-ea"/>
+                <a:cs typeface="+mj-cs"/>
+              </a:defRPr>
+            </a:lvl1pPr>
+          </a:lstStyle>
+          <a:p>
+            <a:pPr algn="l"/>
+            <a:r>
+              <a:rPr lang="en-IN" sz="2800" dirty="0">
+                <a:solidFill>
+                  <a:schemeClr val="bg1"/>
+                </a:solidFill>
+              </a:rPr>
+              <a:t>Database, Schema, and User</a:t>
+            </a:r>
+          </a:p>
+        </p:txBody>
+      </p:sp>
+      <p:pic>
+        <p:nvPicPr>
+          <p:cNvPr id="5" name="Picture 4">
+            <a:extLst>
+              <a:ext uri="{FF2B5EF4-FFF2-40B4-BE49-F238E27FC236}">
+                <a16:creationId xmlns:a16="http://schemas.microsoft.com/office/drawing/2014/main" id="{356555D4-2A85-D19A-7D55-86FBC97CE633}"/>
+              </a:ext>
+            </a:extLst>
+          </p:cNvPr>
+          <p:cNvPicPr>
+            <a:picLocks noChangeAspect="1"/>
+          </p:cNvPicPr>
+          <p:nvPr/>
+        </p:nvPicPr>
+        <p:blipFill>
+          <a:blip r:embed="rId2"/>
+          <a:stretch>
+            <a:fillRect/>
+          </a:stretch>
+        </p:blipFill>
+        <p:spPr>
+          <a:xfrm>
+            <a:off x="5763675" y="51792"/>
+            <a:ext cx="3380325" cy="445294"/>
+          </a:xfrm>
+          <a:prstGeom prst="rect">
+            <a:avLst/>
+          </a:prstGeom>
+        </p:spPr>
+      </p:pic>
+      <p:sp>
+        <p:nvSpPr>
+          <p:cNvPr id="6" name="Title 1">
+            <a:extLst>
+              <a:ext uri="{FF2B5EF4-FFF2-40B4-BE49-F238E27FC236}">
+                <a16:creationId xmlns:a16="http://schemas.microsoft.com/office/drawing/2014/main" id="{77EF8AA5-3DFB-4E23-3E2E-210202D69104}"/>
+              </a:ext>
+            </a:extLst>
+          </p:cNvPr>
+          <p:cNvSpPr txBox="1">
+            <a:spLocks/>
+          </p:cNvSpPr>
+          <p:nvPr/>
+        </p:nvSpPr>
+        <p:spPr>
+          <a:xfrm>
+            <a:off x="0" y="4858718"/>
+            <a:ext cx="9144000" cy="284781"/>
+          </a:xfrm>
+          <a:prstGeom prst="rect">
+            <a:avLst/>
+          </a:prstGeom>
+          <a:solidFill>
+            <a:schemeClr val="tx1"/>
+          </a:solidFill>
+        </p:spPr>
+        <p:txBody>
+          <a:bodyPr vert="horz" lIns="91440" tIns="45720" rIns="91440" bIns="45720" rtlCol="0" anchor="ctr">
+            <a:normAutofit/>
+          </a:bodyPr>
+          <a:lstStyle>
+            <a:lvl1pPr algn="ctr" defTabSz="342900" rtl="0" eaLnBrk="1" latinLnBrk="0" hangingPunct="1">
+              <a:spcBef>
+                <a:spcPct val="0"/>
+              </a:spcBef>
+              <a:buNone/>
+              <a:defRPr sz="3300" kern="1200">
+                <a:solidFill>
+                  <a:schemeClr val="tx1"/>
+                </a:solidFill>
+                <a:latin typeface="+mj-lt"/>
+                <a:ea typeface="+mj-ea"/>
+                <a:cs typeface="+mj-cs"/>
+              </a:defRPr>
+            </a:lvl1pPr>
+          </a:lstStyle>
+          <a:p>
+            <a:r>
+              <a:rPr lang="en-IN" sz="1200" dirty="0">
+                <a:solidFill>
+                  <a:schemeClr val="bg1"/>
+                </a:solidFill>
+              </a:rPr>
+              <a:t>(©) tinitiate.com</a:t>
+            </a:r>
+            <a:endParaRPr lang="en-IN" sz="1000" dirty="0">
+              <a:solidFill>
+                <a:schemeClr val="bg1"/>
+              </a:solidFill>
+            </a:endParaRPr>
           </a:p>
         </p:txBody>
       </p:sp>
@@ -3328,31 +4551,6 @@
       </p:grpSpPr>
       <p:sp>
         <p:nvSpPr>
-          <p:cNvPr id="2" name="Title 1"/>
-          <p:cNvSpPr>
-            <a:spLocks noGrp="1"/>
-          </p:cNvSpPr>
-          <p:nvPr>
-            <p:ph type="title"/>
-          </p:nvPr>
-        </p:nvSpPr>
-        <p:spPr/>
-        <p:txBody>
-          <a:bodyPr/>
-          <a:lstStyle/>
-          <a:p>
-            <a:pPr marL="0" lvl="0" indent="0">
-              <a:buNone/>
-            </a:pPr>
-            <a:r>
-              <a:rPr dirty="0"/>
-              <a:t>Database:</a:t>
-            </a:r>
-          </a:p>
-        </p:txBody>
-      </p:sp>
-      <p:sp>
-        <p:nvSpPr>
           <p:cNvPr id="3" name="Content Placeholder 2"/>
           <p:cNvSpPr>
             <a:spLocks noGrp="1"/>
@@ -3361,7 +4559,12 @@
             <p:ph idx="1"/>
           </p:nvPr>
         </p:nvSpPr>
-        <p:spPr/>
+        <p:spPr>
+          <a:xfrm>
+            <a:off x="457200" y="874514"/>
+            <a:ext cx="8229600" cy="3394472"/>
+          </a:xfrm>
+        </p:spPr>
         <p:txBody>
           <a:bodyPr>
             <a:noAutofit/>
@@ -3491,6 +4694,158 @@
               </a:rPr>
               <a:t>-- But for best practice stick to any one format</a:t>
             </a:r>
+          </a:p>
+        </p:txBody>
+      </p:sp>
+      <p:sp>
+        <p:nvSpPr>
+          <p:cNvPr id="4" name="Title 1">
+            <a:extLst>
+              <a:ext uri="{FF2B5EF4-FFF2-40B4-BE49-F238E27FC236}">
+                <a16:creationId xmlns:a16="http://schemas.microsoft.com/office/drawing/2014/main" id="{C72EB796-68C7-E4BE-5B0D-C00EDF7835AF}"/>
+              </a:ext>
+            </a:extLst>
+          </p:cNvPr>
+          <p:cNvSpPr txBox="1">
+            <a:spLocks/>
+          </p:cNvSpPr>
+          <p:nvPr/>
+        </p:nvSpPr>
+        <p:spPr>
+          <a:xfrm>
+            <a:off x="0" y="1"/>
+            <a:ext cx="9144000" cy="548876"/>
+          </a:xfrm>
+          <a:prstGeom prst="rect">
+            <a:avLst/>
+          </a:prstGeom>
+          <a:solidFill>
+            <a:schemeClr val="tx1"/>
+          </a:solidFill>
+        </p:spPr>
+        <p:txBody>
+          <a:bodyPr vert="horz" lIns="91440" tIns="45720" rIns="91440" bIns="45720" rtlCol="0" anchor="ctr">
+            <a:normAutofit/>
+          </a:bodyPr>
+          <a:lstStyle>
+            <a:lvl1pPr algn="ctr" defTabSz="342900" rtl="0" eaLnBrk="1" latinLnBrk="0" hangingPunct="1">
+              <a:spcBef>
+                <a:spcPct val="0"/>
+              </a:spcBef>
+              <a:buNone/>
+              <a:defRPr sz="3300" kern="1200">
+                <a:solidFill>
+                  <a:schemeClr val="tx1"/>
+                </a:solidFill>
+                <a:latin typeface="+mj-lt"/>
+                <a:ea typeface="+mj-ea"/>
+                <a:cs typeface="+mj-cs"/>
+              </a:defRPr>
+            </a:lvl1pPr>
+          </a:lstStyle>
+          <a:p>
+            <a:pPr algn="l"/>
+            <a:r>
+              <a:rPr lang="en-IN" sz="2800" dirty="0">
+                <a:solidFill>
+                  <a:schemeClr val="bg1"/>
+                </a:solidFill>
+              </a:rPr>
+              <a:t>Database</a:t>
+            </a:r>
+          </a:p>
+        </p:txBody>
+      </p:sp>
+      <p:pic>
+        <p:nvPicPr>
+          <p:cNvPr id="5" name="Picture 4">
+            <a:extLst>
+              <a:ext uri="{FF2B5EF4-FFF2-40B4-BE49-F238E27FC236}">
+                <a16:creationId xmlns:a16="http://schemas.microsoft.com/office/drawing/2014/main" id="{50B1AEF3-EB68-5FBE-8EBA-8CFFB5F4C27E}"/>
+              </a:ext>
+            </a:extLst>
+          </p:cNvPr>
+          <p:cNvPicPr>
+            <a:picLocks noChangeAspect="1"/>
+          </p:cNvPicPr>
+          <p:nvPr/>
+        </p:nvPicPr>
+        <p:blipFill>
+          <a:blip r:embed="rId2"/>
+          <a:stretch>
+            <a:fillRect/>
+          </a:stretch>
+        </p:blipFill>
+        <p:spPr>
+          <a:xfrm>
+            <a:off x="5763675" y="51792"/>
+            <a:ext cx="3380325" cy="445294"/>
+          </a:xfrm>
+          <a:prstGeom prst="rect">
+            <a:avLst/>
+          </a:prstGeom>
+        </p:spPr>
+      </p:pic>
+      <p:sp>
+        <p:nvSpPr>
+          <p:cNvPr id="6" name="Title 1">
+            <a:extLst>
+              <a:ext uri="{FF2B5EF4-FFF2-40B4-BE49-F238E27FC236}">
+                <a16:creationId xmlns:a16="http://schemas.microsoft.com/office/drawing/2014/main" id="{DE16B3F7-D2CE-4E18-67DC-1780C7F02DC3}"/>
+              </a:ext>
+            </a:extLst>
+          </p:cNvPr>
+          <p:cNvSpPr txBox="1">
+            <a:spLocks/>
+          </p:cNvSpPr>
+          <p:nvPr/>
+        </p:nvSpPr>
+        <p:spPr>
+          <a:xfrm>
+            <a:off x="0" y="4858718"/>
+            <a:ext cx="9144000" cy="284781"/>
+          </a:xfrm>
+          <a:prstGeom prst="rect">
+            <a:avLst/>
+          </a:prstGeom>
+          <a:solidFill>
+            <a:schemeClr val="tx1"/>
+          </a:solidFill>
+        </p:spPr>
+        <p:txBody>
+          <a:bodyPr vert="horz" lIns="91440" tIns="45720" rIns="91440" bIns="45720" rtlCol="0" anchor="ctr">
+            <a:normAutofit/>
+          </a:bodyPr>
+          <a:lstStyle>
+            <a:lvl1pPr algn="ctr" defTabSz="342900" rtl="0" eaLnBrk="1" latinLnBrk="0" hangingPunct="1">
+              <a:spcBef>
+                <a:spcPct val="0"/>
+              </a:spcBef>
+              <a:buNone/>
+              <a:defRPr sz="3300" kern="1200">
+                <a:solidFill>
+                  <a:schemeClr val="tx1"/>
+                </a:solidFill>
+                <a:latin typeface="+mj-lt"/>
+                <a:ea typeface="+mj-ea"/>
+                <a:cs typeface="+mj-cs"/>
+              </a:defRPr>
+            </a:lvl1pPr>
+          </a:lstStyle>
+          <a:p>
+            <a:r>
+              <a:rPr lang="en-IN" sz="1200" dirty="0">
+                <a:solidFill>
+                  <a:schemeClr val="bg1"/>
+                </a:solidFill>
+              </a:rPr>
+              <a:t>(©) tinitiate.com</a:t>
+            </a:r>
+            <a:endParaRPr lang="en-IN" sz="1000" dirty="0">
+              <a:solidFill>
+                <a:schemeClr val="bg1"/>
+              </a:solidFill>
+            </a:endParaRPr>
           </a:p>
         </p:txBody>
       </p:sp>
@@ -3521,31 +4876,6 @@
       </p:grpSpPr>
       <p:sp>
         <p:nvSpPr>
-          <p:cNvPr id="2" name="Title 1"/>
-          <p:cNvSpPr>
-            <a:spLocks noGrp="1"/>
-          </p:cNvSpPr>
-          <p:nvPr>
-            <p:ph type="title"/>
-          </p:nvPr>
-        </p:nvSpPr>
-        <p:spPr/>
-        <p:txBody>
-          <a:bodyPr/>
-          <a:lstStyle/>
-          <a:p>
-            <a:pPr marL="0" lvl="0" indent="0">
-              <a:buNone/>
-            </a:pPr>
-            <a:r>
-              <a:rPr dirty="0"/>
-              <a:t>User:</a:t>
-            </a:r>
-          </a:p>
-        </p:txBody>
-      </p:sp>
-      <p:sp>
-        <p:nvSpPr>
           <p:cNvPr id="3" name="Content Placeholder 2"/>
           <p:cNvSpPr>
             <a:spLocks noGrp="1"/>
@@ -3554,7 +4884,12 @@
             <p:ph idx="1"/>
           </p:nvPr>
         </p:nvSpPr>
-        <p:spPr/>
+        <p:spPr>
+          <a:xfrm>
+            <a:off x="457200" y="874514"/>
+            <a:ext cx="8229600" cy="3394472"/>
+          </a:xfrm>
+        </p:spPr>
         <p:txBody>
           <a:bodyPr>
             <a:noAutofit/>
@@ -3718,6 +5053,158 @@
             </a:r>
             <a:endParaRPr lang="en-US" sz="1400" dirty="0">
               <a:latin typeface="Courier"/>
+            </a:endParaRPr>
+          </a:p>
+        </p:txBody>
+      </p:sp>
+      <p:sp>
+        <p:nvSpPr>
+          <p:cNvPr id="4" name="Title 1">
+            <a:extLst>
+              <a:ext uri="{FF2B5EF4-FFF2-40B4-BE49-F238E27FC236}">
+                <a16:creationId xmlns:a16="http://schemas.microsoft.com/office/drawing/2014/main" id="{00024650-BD75-005F-9EDF-12AFEA9CDAFB}"/>
+              </a:ext>
+            </a:extLst>
+          </p:cNvPr>
+          <p:cNvSpPr txBox="1">
+            <a:spLocks/>
+          </p:cNvSpPr>
+          <p:nvPr/>
+        </p:nvSpPr>
+        <p:spPr>
+          <a:xfrm>
+            <a:off x="0" y="1"/>
+            <a:ext cx="9144000" cy="548876"/>
+          </a:xfrm>
+          <a:prstGeom prst="rect">
+            <a:avLst/>
+          </a:prstGeom>
+          <a:solidFill>
+            <a:schemeClr val="tx1"/>
+          </a:solidFill>
+        </p:spPr>
+        <p:txBody>
+          <a:bodyPr vert="horz" lIns="91440" tIns="45720" rIns="91440" bIns="45720" rtlCol="0" anchor="ctr">
+            <a:normAutofit/>
+          </a:bodyPr>
+          <a:lstStyle>
+            <a:lvl1pPr algn="ctr" defTabSz="342900" rtl="0" eaLnBrk="1" latinLnBrk="0" hangingPunct="1">
+              <a:spcBef>
+                <a:spcPct val="0"/>
+              </a:spcBef>
+              <a:buNone/>
+              <a:defRPr sz="3300" kern="1200">
+                <a:solidFill>
+                  <a:schemeClr val="tx1"/>
+                </a:solidFill>
+                <a:latin typeface="+mj-lt"/>
+                <a:ea typeface="+mj-ea"/>
+                <a:cs typeface="+mj-cs"/>
+              </a:defRPr>
+            </a:lvl1pPr>
+          </a:lstStyle>
+          <a:p>
+            <a:pPr algn="l"/>
+            <a:r>
+              <a:rPr lang="en-IN" sz="2800" dirty="0">
+                <a:solidFill>
+                  <a:schemeClr val="bg1"/>
+                </a:solidFill>
+              </a:rPr>
+              <a:t>User</a:t>
+            </a:r>
+          </a:p>
+        </p:txBody>
+      </p:sp>
+      <p:pic>
+        <p:nvPicPr>
+          <p:cNvPr id="5" name="Picture 4">
+            <a:extLst>
+              <a:ext uri="{FF2B5EF4-FFF2-40B4-BE49-F238E27FC236}">
+                <a16:creationId xmlns:a16="http://schemas.microsoft.com/office/drawing/2014/main" id="{2C9BE88B-2B33-7436-AB01-8B494B4FC380}"/>
+              </a:ext>
+            </a:extLst>
+          </p:cNvPr>
+          <p:cNvPicPr>
+            <a:picLocks noChangeAspect="1"/>
+          </p:cNvPicPr>
+          <p:nvPr/>
+        </p:nvPicPr>
+        <p:blipFill>
+          <a:blip r:embed="rId2"/>
+          <a:stretch>
+            <a:fillRect/>
+          </a:stretch>
+        </p:blipFill>
+        <p:spPr>
+          <a:xfrm>
+            <a:off x="5763675" y="51792"/>
+            <a:ext cx="3380325" cy="445294"/>
+          </a:xfrm>
+          <a:prstGeom prst="rect">
+            <a:avLst/>
+          </a:prstGeom>
+        </p:spPr>
+      </p:pic>
+      <p:sp>
+        <p:nvSpPr>
+          <p:cNvPr id="6" name="Title 1">
+            <a:extLst>
+              <a:ext uri="{FF2B5EF4-FFF2-40B4-BE49-F238E27FC236}">
+                <a16:creationId xmlns:a16="http://schemas.microsoft.com/office/drawing/2014/main" id="{7193AE13-FC46-684E-4591-5A7FBE294BEE}"/>
+              </a:ext>
+            </a:extLst>
+          </p:cNvPr>
+          <p:cNvSpPr txBox="1">
+            <a:spLocks/>
+          </p:cNvSpPr>
+          <p:nvPr/>
+        </p:nvSpPr>
+        <p:spPr>
+          <a:xfrm>
+            <a:off x="0" y="4858718"/>
+            <a:ext cx="9144000" cy="284781"/>
+          </a:xfrm>
+          <a:prstGeom prst="rect">
+            <a:avLst/>
+          </a:prstGeom>
+          <a:solidFill>
+            <a:schemeClr val="tx1"/>
+          </a:solidFill>
+        </p:spPr>
+        <p:txBody>
+          <a:bodyPr vert="horz" lIns="91440" tIns="45720" rIns="91440" bIns="45720" rtlCol="0" anchor="ctr">
+            <a:normAutofit/>
+          </a:bodyPr>
+          <a:lstStyle>
+            <a:lvl1pPr algn="ctr" defTabSz="342900" rtl="0" eaLnBrk="1" latinLnBrk="0" hangingPunct="1">
+              <a:spcBef>
+                <a:spcPct val="0"/>
+              </a:spcBef>
+              <a:buNone/>
+              <a:defRPr sz="3300" kern="1200">
+                <a:solidFill>
+                  <a:schemeClr val="tx1"/>
+                </a:solidFill>
+                <a:latin typeface="+mj-lt"/>
+                <a:ea typeface="+mj-ea"/>
+                <a:cs typeface="+mj-cs"/>
+              </a:defRPr>
+            </a:lvl1pPr>
+          </a:lstStyle>
+          <a:p>
+            <a:r>
+              <a:rPr lang="en-IN" sz="1200" dirty="0">
+                <a:solidFill>
+                  <a:schemeClr val="bg1"/>
+                </a:solidFill>
+              </a:rPr>
+              <a:t>(©) tinitiate.com</a:t>
+            </a:r>
+            <a:endParaRPr lang="en-IN" sz="1000" dirty="0">
+              <a:solidFill>
+                <a:schemeClr val="bg1"/>
+              </a:solidFill>
             </a:endParaRPr>
           </a:p>
         </p:txBody>
@@ -3755,37 +5242,6 @@
       </p:grpSpPr>
       <p:sp>
         <p:nvSpPr>
-          <p:cNvPr id="2" name="Title 1">
-            <a:extLst>
-              <a:ext uri="{FF2B5EF4-FFF2-40B4-BE49-F238E27FC236}">
-                <a16:creationId xmlns:a16="http://schemas.microsoft.com/office/drawing/2014/main" id="{4A8FAFE3-BCC6-4BB0-8437-8A3166334684}"/>
-              </a:ext>
-            </a:extLst>
-          </p:cNvPr>
-          <p:cNvSpPr>
-            <a:spLocks noGrp="1"/>
-          </p:cNvSpPr>
-          <p:nvPr>
-            <p:ph type="title"/>
-          </p:nvPr>
-        </p:nvSpPr>
-        <p:spPr/>
-        <p:txBody>
-          <a:bodyPr/>
-          <a:lstStyle/>
-          <a:p>
-            <a:pPr marL="0" lvl="0" indent="0">
-              <a:buNone/>
-            </a:pPr>
-            <a:r>
-              <a:rPr dirty="0"/>
-              <a:t>User:</a:t>
-            </a:r>
-          </a:p>
-        </p:txBody>
-      </p:sp>
-      <p:sp>
-        <p:nvSpPr>
           <p:cNvPr id="3" name="Content Placeholder 2">
             <a:extLst>
               <a:ext uri="{FF2B5EF4-FFF2-40B4-BE49-F238E27FC236}">
@@ -3800,7 +5256,12 @@
             <p:ph idx="1"/>
           </p:nvPr>
         </p:nvSpPr>
-        <p:spPr/>
+        <p:spPr>
+          <a:xfrm>
+            <a:off x="457200" y="874514"/>
+            <a:ext cx="8229600" cy="3394472"/>
+          </a:xfrm>
+        </p:spPr>
         <p:txBody>
           <a:bodyPr>
             <a:noAutofit/>
@@ -4209,6 +5670,158 @@
               </a:rPr>
               <a:t>;</a:t>
             </a:r>
+          </a:p>
+        </p:txBody>
+      </p:sp>
+      <p:sp>
+        <p:nvSpPr>
+          <p:cNvPr id="4" name="Title 1">
+            <a:extLst>
+              <a:ext uri="{FF2B5EF4-FFF2-40B4-BE49-F238E27FC236}">
+                <a16:creationId xmlns:a16="http://schemas.microsoft.com/office/drawing/2014/main" id="{C64538E0-1CF6-0DED-4D1A-CDFA9A55A314}"/>
+              </a:ext>
+            </a:extLst>
+          </p:cNvPr>
+          <p:cNvSpPr txBox="1">
+            <a:spLocks/>
+          </p:cNvSpPr>
+          <p:nvPr/>
+        </p:nvSpPr>
+        <p:spPr>
+          <a:xfrm>
+            <a:off x="0" y="1"/>
+            <a:ext cx="9144000" cy="548876"/>
+          </a:xfrm>
+          <a:prstGeom prst="rect">
+            <a:avLst/>
+          </a:prstGeom>
+          <a:solidFill>
+            <a:schemeClr val="tx1"/>
+          </a:solidFill>
+        </p:spPr>
+        <p:txBody>
+          <a:bodyPr vert="horz" lIns="91440" tIns="45720" rIns="91440" bIns="45720" rtlCol="0" anchor="ctr">
+            <a:normAutofit/>
+          </a:bodyPr>
+          <a:lstStyle>
+            <a:lvl1pPr algn="ctr" defTabSz="342900" rtl="0" eaLnBrk="1" latinLnBrk="0" hangingPunct="1">
+              <a:spcBef>
+                <a:spcPct val="0"/>
+              </a:spcBef>
+              <a:buNone/>
+              <a:defRPr sz="3300" kern="1200">
+                <a:solidFill>
+                  <a:schemeClr val="tx1"/>
+                </a:solidFill>
+                <a:latin typeface="+mj-lt"/>
+                <a:ea typeface="+mj-ea"/>
+                <a:cs typeface="+mj-cs"/>
+              </a:defRPr>
+            </a:lvl1pPr>
+          </a:lstStyle>
+          <a:p>
+            <a:pPr algn="l"/>
+            <a:r>
+              <a:rPr lang="en-IN" sz="2800" dirty="0">
+                <a:solidFill>
+                  <a:schemeClr val="bg1"/>
+                </a:solidFill>
+              </a:rPr>
+              <a:t>User</a:t>
+            </a:r>
+          </a:p>
+        </p:txBody>
+      </p:sp>
+      <p:pic>
+        <p:nvPicPr>
+          <p:cNvPr id="5" name="Picture 4">
+            <a:extLst>
+              <a:ext uri="{FF2B5EF4-FFF2-40B4-BE49-F238E27FC236}">
+                <a16:creationId xmlns:a16="http://schemas.microsoft.com/office/drawing/2014/main" id="{28D0BD07-5734-8DF6-7430-9B99DBD48C09}"/>
+              </a:ext>
+            </a:extLst>
+          </p:cNvPr>
+          <p:cNvPicPr>
+            <a:picLocks noChangeAspect="1"/>
+          </p:cNvPicPr>
+          <p:nvPr/>
+        </p:nvPicPr>
+        <p:blipFill>
+          <a:blip r:embed="rId2"/>
+          <a:stretch>
+            <a:fillRect/>
+          </a:stretch>
+        </p:blipFill>
+        <p:spPr>
+          <a:xfrm>
+            <a:off x="5763675" y="51792"/>
+            <a:ext cx="3380325" cy="445294"/>
+          </a:xfrm>
+          <a:prstGeom prst="rect">
+            <a:avLst/>
+          </a:prstGeom>
+        </p:spPr>
+      </p:pic>
+      <p:sp>
+        <p:nvSpPr>
+          <p:cNvPr id="6" name="Title 1">
+            <a:extLst>
+              <a:ext uri="{FF2B5EF4-FFF2-40B4-BE49-F238E27FC236}">
+                <a16:creationId xmlns:a16="http://schemas.microsoft.com/office/drawing/2014/main" id="{72F60E98-FBF6-1F6A-AA2A-F7596A6A145F}"/>
+              </a:ext>
+            </a:extLst>
+          </p:cNvPr>
+          <p:cNvSpPr txBox="1">
+            <a:spLocks/>
+          </p:cNvSpPr>
+          <p:nvPr/>
+        </p:nvSpPr>
+        <p:spPr>
+          <a:xfrm>
+            <a:off x="0" y="4858718"/>
+            <a:ext cx="9144000" cy="284781"/>
+          </a:xfrm>
+          <a:prstGeom prst="rect">
+            <a:avLst/>
+          </a:prstGeom>
+          <a:solidFill>
+            <a:schemeClr val="tx1"/>
+          </a:solidFill>
+        </p:spPr>
+        <p:txBody>
+          <a:bodyPr vert="horz" lIns="91440" tIns="45720" rIns="91440" bIns="45720" rtlCol="0" anchor="ctr">
+            <a:normAutofit/>
+          </a:bodyPr>
+          <a:lstStyle>
+            <a:lvl1pPr algn="ctr" defTabSz="342900" rtl="0" eaLnBrk="1" latinLnBrk="0" hangingPunct="1">
+              <a:spcBef>
+                <a:spcPct val="0"/>
+              </a:spcBef>
+              <a:buNone/>
+              <a:defRPr sz="3300" kern="1200">
+                <a:solidFill>
+                  <a:schemeClr val="tx1"/>
+                </a:solidFill>
+                <a:latin typeface="+mj-lt"/>
+                <a:ea typeface="+mj-ea"/>
+                <a:cs typeface="+mj-cs"/>
+              </a:defRPr>
+            </a:lvl1pPr>
+          </a:lstStyle>
+          <a:p>
+            <a:r>
+              <a:rPr lang="en-IN" sz="1200" dirty="0">
+                <a:solidFill>
+                  <a:schemeClr val="bg1"/>
+                </a:solidFill>
+              </a:rPr>
+              <a:t>(©) tinitiate.com</a:t>
+            </a:r>
+            <a:endParaRPr lang="en-IN" sz="1000" dirty="0">
+              <a:solidFill>
+                <a:schemeClr val="bg1"/>
+              </a:solidFill>
+            </a:endParaRPr>
           </a:p>
         </p:txBody>
       </p:sp>
@@ -4244,31 +5857,6 @@
       </p:grpSpPr>
       <p:sp>
         <p:nvSpPr>
-          <p:cNvPr id="2" name="Title 1"/>
-          <p:cNvSpPr>
-            <a:spLocks noGrp="1"/>
-          </p:cNvSpPr>
-          <p:nvPr>
-            <p:ph type="title"/>
-          </p:nvPr>
-        </p:nvSpPr>
-        <p:spPr/>
-        <p:txBody>
-          <a:bodyPr/>
-          <a:lstStyle/>
-          <a:p>
-            <a:pPr marL="0" lvl="0" indent="0">
-              <a:buNone/>
-            </a:pPr>
-            <a:r>
-              <a:rPr dirty="0"/>
-              <a:t>Schema:</a:t>
-            </a:r>
-          </a:p>
-        </p:txBody>
-      </p:sp>
-      <p:sp>
-        <p:nvSpPr>
           <p:cNvPr id="3" name="Content Placeholder 2"/>
           <p:cNvSpPr>
             <a:spLocks noGrp="1"/>
@@ -4277,7 +5865,12 @@
             <p:ph idx="1"/>
           </p:nvPr>
         </p:nvSpPr>
-        <p:spPr/>
+        <p:spPr>
+          <a:xfrm>
+            <a:off x="457200" y="874514"/>
+            <a:ext cx="8229600" cy="3394472"/>
+          </a:xfrm>
+        </p:spPr>
         <p:txBody>
           <a:bodyPr>
             <a:noAutofit/>
@@ -4539,6 +6132,158 @@
               </a:rPr>
               <a:t>;</a:t>
             </a:r>
+          </a:p>
+        </p:txBody>
+      </p:sp>
+      <p:sp>
+        <p:nvSpPr>
+          <p:cNvPr id="4" name="Title 1">
+            <a:extLst>
+              <a:ext uri="{FF2B5EF4-FFF2-40B4-BE49-F238E27FC236}">
+                <a16:creationId xmlns:a16="http://schemas.microsoft.com/office/drawing/2014/main" id="{B3E84D07-EA8A-CED1-30E4-6DB34718D3E2}"/>
+              </a:ext>
+            </a:extLst>
+          </p:cNvPr>
+          <p:cNvSpPr txBox="1">
+            <a:spLocks/>
+          </p:cNvSpPr>
+          <p:nvPr/>
+        </p:nvSpPr>
+        <p:spPr>
+          <a:xfrm>
+            <a:off x="0" y="1"/>
+            <a:ext cx="9144000" cy="548876"/>
+          </a:xfrm>
+          <a:prstGeom prst="rect">
+            <a:avLst/>
+          </a:prstGeom>
+          <a:solidFill>
+            <a:schemeClr val="tx1"/>
+          </a:solidFill>
+        </p:spPr>
+        <p:txBody>
+          <a:bodyPr vert="horz" lIns="91440" tIns="45720" rIns="91440" bIns="45720" rtlCol="0" anchor="ctr">
+            <a:normAutofit/>
+          </a:bodyPr>
+          <a:lstStyle>
+            <a:lvl1pPr algn="ctr" defTabSz="342900" rtl="0" eaLnBrk="1" latinLnBrk="0" hangingPunct="1">
+              <a:spcBef>
+                <a:spcPct val="0"/>
+              </a:spcBef>
+              <a:buNone/>
+              <a:defRPr sz="3300" kern="1200">
+                <a:solidFill>
+                  <a:schemeClr val="tx1"/>
+                </a:solidFill>
+                <a:latin typeface="+mj-lt"/>
+                <a:ea typeface="+mj-ea"/>
+                <a:cs typeface="+mj-cs"/>
+              </a:defRPr>
+            </a:lvl1pPr>
+          </a:lstStyle>
+          <a:p>
+            <a:pPr algn="l"/>
+            <a:r>
+              <a:rPr lang="en-IN" sz="2800" dirty="0">
+                <a:solidFill>
+                  <a:schemeClr val="bg1"/>
+                </a:solidFill>
+              </a:rPr>
+              <a:t>Schema</a:t>
+            </a:r>
+          </a:p>
+        </p:txBody>
+      </p:sp>
+      <p:pic>
+        <p:nvPicPr>
+          <p:cNvPr id="5" name="Picture 4">
+            <a:extLst>
+              <a:ext uri="{FF2B5EF4-FFF2-40B4-BE49-F238E27FC236}">
+                <a16:creationId xmlns:a16="http://schemas.microsoft.com/office/drawing/2014/main" id="{9EC28B7B-34F1-0FEC-4815-B3BAC762B478}"/>
+              </a:ext>
+            </a:extLst>
+          </p:cNvPr>
+          <p:cNvPicPr>
+            <a:picLocks noChangeAspect="1"/>
+          </p:cNvPicPr>
+          <p:nvPr/>
+        </p:nvPicPr>
+        <p:blipFill>
+          <a:blip r:embed="rId2"/>
+          <a:stretch>
+            <a:fillRect/>
+          </a:stretch>
+        </p:blipFill>
+        <p:spPr>
+          <a:xfrm>
+            <a:off x="5763675" y="51792"/>
+            <a:ext cx="3380325" cy="445294"/>
+          </a:xfrm>
+          <a:prstGeom prst="rect">
+            <a:avLst/>
+          </a:prstGeom>
+        </p:spPr>
+      </p:pic>
+      <p:sp>
+        <p:nvSpPr>
+          <p:cNvPr id="6" name="Title 1">
+            <a:extLst>
+              <a:ext uri="{FF2B5EF4-FFF2-40B4-BE49-F238E27FC236}">
+                <a16:creationId xmlns:a16="http://schemas.microsoft.com/office/drawing/2014/main" id="{BB825D95-45E8-0C27-AFDF-438E40DF1B32}"/>
+              </a:ext>
+            </a:extLst>
+          </p:cNvPr>
+          <p:cNvSpPr txBox="1">
+            <a:spLocks/>
+          </p:cNvSpPr>
+          <p:nvPr/>
+        </p:nvSpPr>
+        <p:spPr>
+          <a:xfrm>
+            <a:off x="0" y="4858718"/>
+            <a:ext cx="9144000" cy="284781"/>
+          </a:xfrm>
+          <a:prstGeom prst="rect">
+            <a:avLst/>
+          </a:prstGeom>
+          <a:solidFill>
+            <a:schemeClr val="tx1"/>
+          </a:solidFill>
+        </p:spPr>
+        <p:txBody>
+          <a:bodyPr vert="horz" lIns="91440" tIns="45720" rIns="91440" bIns="45720" rtlCol="0" anchor="ctr">
+            <a:normAutofit/>
+          </a:bodyPr>
+          <a:lstStyle>
+            <a:lvl1pPr algn="ctr" defTabSz="342900" rtl="0" eaLnBrk="1" latinLnBrk="0" hangingPunct="1">
+              <a:spcBef>
+                <a:spcPct val="0"/>
+              </a:spcBef>
+              <a:buNone/>
+              <a:defRPr sz="3300" kern="1200">
+                <a:solidFill>
+                  <a:schemeClr val="tx1"/>
+                </a:solidFill>
+                <a:latin typeface="+mj-lt"/>
+                <a:ea typeface="+mj-ea"/>
+                <a:cs typeface="+mj-cs"/>
+              </a:defRPr>
+            </a:lvl1pPr>
+          </a:lstStyle>
+          <a:p>
+            <a:r>
+              <a:rPr lang="en-IN" sz="1200" dirty="0">
+                <a:solidFill>
+                  <a:schemeClr val="bg1"/>
+                </a:solidFill>
+              </a:rPr>
+              <a:t>(©) tinitiate.com</a:t>
+            </a:r>
+            <a:endParaRPr lang="en-IN" sz="1000" dirty="0">
+              <a:solidFill>
+                <a:schemeClr val="bg1"/>
+              </a:solidFill>
+            </a:endParaRPr>
           </a:p>
         </p:txBody>
       </p:sp>
@@ -4553,9 +6298,9 @@
 <file path=ppt/theme/theme1.xml><?xml version="1.0" encoding="utf-8"?>
 <a:theme xmlns:a="http://schemas.openxmlformats.org/drawingml/2006/main" name="Office Theme">
   <a:themeElements>
-    <a:clrScheme name="Office">
+    <a:clrScheme name="Custom 4">
       <a:dk1>
-        <a:sysClr val="windowText" lastClr="000000"/>
+        <a:srgbClr val="1F497D"/>
       </a:dk1>
       <a:lt1>
         <a:sysClr val="window" lastClr="FFFFFF"/>
@@ -4868,4 +6613,319 @@
   </a:objectDefaults>
   <a:extraClrSchemeLst/>
 </a:theme>
+</file>
+
+<file path=ppt/theme/theme2.xml><?xml version="1.0" encoding="utf-8"?>
+<a:theme xmlns:a="http://schemas.openxmlformats.org/drawingml/2006/main" name="Office Theme">
+  <a:themeElements>
+    <a:clrScheme name="Office">
+      <a:dk1>
+        <a:sysClr val="windowText" lastClr="000000"/>
+      </a:dk1>
+      <a:lt1>
+        <a:sysClr val="window" lastClr="FFFFFF"/>
+      </a:lt1>
+      <a:dk2>
+        <a:srgbClr val="0E2841"/>
+      </a:dk2>
+      <a:lt2>
+        <a:srgbClr val="E8E8E8"/>
+      </a:lt2>
+      <a:accent1>
+        <a:srgbClr val="156082"/>
+      </a:accent1>
+      <a:accent2>
+        <a:srgbClr val="E97132"/>
+      </a:accent2>
+      <a:accent3>
+        <a:srgbClr val="196B24"/>
+      </a:accent3>
+      <a:accent4>
+        <a:srgbClr val="0F9ED5"/>
+      </a:accent4>
+      <a:accent5>
+        <a:srgbClr val="A02B93"/>
+      </a:accent5>
+      <a:accent6>
+        <a:srgbClr val="4EA72E"/>
+      </a:accent6>
+      <a:hlink>
+        <a:srgbClr val="467886"/>
+      </a:hlink>
+      <a:folHlink>
+        <a:srgbClr val="96607D"/>
+      </a:folHlink>
+    </a:clrScheme>
+    <a:fontScheme name="Office">
+      <a:majorFont>
+        <a:latin typeface="Aptos Display" panose="02110004020202020204"/>
+        <a:ea typeface=""/>
+        <a:cs typeface=""/>
+        <a:font script="Jpan" typeface="游ゴシック Light"/>
+        <a:font script="Hang" typeface="맑은 고딕"/>
+        <a:font script="Hans" typeface="等线 Light"/>
+        <a:font script="Hant" typeface="新細明體"/>
+        <a:font script="Arab" typeface="Times New Roman"/>
+        <a:font script="Hebr" typeface="Times New Roman"/>
+        <a:font script="Thai" typeface="Angsana New"/>
+        <a:font script="Ethi" typeface="Nyala"/>
+        <a:font script="Beng" typeface="Vrinda"/>
+        <a:font script="Gujr" typeface="Shruti"/>
+        <a:font script="Khmr" typeface="MoolBoran"/>
+        <a:font script="Knda" typeface="Tunga"/>
+        <a:font script="Guru" typeface="Raavi"/>
+        <a:font script="Cans" typeface="Euphemia"/>
+        <a:font script="Cher" typeface="Plantagenet Cherokee"/>
+        <a:font script="Yiii" typeface="Microsoft Yi Baiti"/>
+        <a:font script="Tibt" typeface="Microsoft Himalaya"/>
+        <a:font script="Thaa" typeface="MV Boli"/>
+        <a:font script="Deva" typeface="Mangal"/>
+        <a:font script="Telu" typeface="Gautami"/>
+        <a:font script="Taml" typeface="Latha"/>
+        <a:font script="Syrc" typeface="Estrangelo Edessa"/>
+        <a:font script="Orya" typeface="Kalinga"/>
+        <a:font script="Mlym" typeface="Kartika"/>
+        <a:font script="Laoo" typeface="DokChampa"/>
+        <a:font script="Sinh" typeface="Iskoola Pota"/>
+        <a:font script="Mong" typeface="Mongolian Baiti"/>
+        <a:font script="Viet" typeface="Times New Roman"/>
+        <a:font script="Uigh" typeface="Microsoft Uighur"/>
+        <a:font script="Geor" typeface="Sylfaen"/>
+        <a:font script="Armn" typeface="Arial"/>
+        <a:font script="Bugi" typeface="Leelawadee UI"/>
+        <a:font script="Bopo" typeface="Microsoft JhengHei"/>
+        <a:font script="Java" typeface="Javanese Text"/>
+        <a:font script="Lisu" typeface="Segoe UI"/>
+        <a:font script="Mymr" typeface="Myanmar Text"/>
+        <a:font script="Nkoo" typeface="Ebrima"/>
+        <a:font script="Olck" typeface="Nirmala UI"/>
+        <a:font script="Osma" typeface="Ebrima"/>
+        <a:font script="Phag" typeface="Phagspa"/>
+        <a:font script="Syrn" typeface="Estrangelo Edessa"/>
+        <a:font script="Syrj" typeface="Estrangelo Edessa"/>
+        <a:font script="Syre" typeface="Estrangelo Edessa"/>
+        <a:font script="Sora" typeface="Nirmala UI"/>
+        <a:font script="Tale" typeface="Microsoft Tai Le"/>
+        <a:font script="Talu" typeface="Microsoft New Tai Lue"/>
+        <a:font script="Tfng" typeface="Ebrima"/>
+      </a:majorFont>
+      <a:minorFont>
+        <a:latin typeface="Aptos" panose="02110004020202020204"/>
+        <a:ea typeface=""/>
+        <a:cs typeface=""/>
+        <a:font script="Jpan" typeface="游ゴシック"/>
+        <a:font script="Hang" typeface="맑은 고딕"/>
+        <a:font script="Hans" typeface="等线"/>
+        <a:font script="Hant" typeface="新細明體"/>
+        <a:font script="Arab" typeface="Arial"/>
+        <a:font script="Hebr" typeface="Arial"/>
+        <a:font script="Thai" typeface="Cordia New"/>
+        <a:font script="Ethi" typeface="Nyala"/>
+        <a:font script="Beng" typeface="Vrinda"/>
+        <a:font script="Gujr" typeface="Shruti"/>
+        <a:font script="Khmr" typeface="DaunPenh"/>
+        <a:font script="Knda" typeface="Tunga"/>
+        <a:font script="Guru" typeface="Raavi"/>
+        <a:font script="Cans" typeface="Euphemia"/>
+        <a:font script="Cher" typeface="Plantagenet Cherokee"/>
+        <a:font script="Yiii" typeface="Microsoft Yi Baiti"/>
+        <a:font script="Tibt" typeface="Microsoft Himalaya"/>
+        <a:font script="Thaa" typeface="MV Boli"/>
+        <a:font script="Deva" typeface="Mangal"/>
+        <a:font script="Telu" typeface="Gautami"/>
+        <a:font script="Taml" typeface="Latha"/>
+        <a:font script="Syrc" typeface="Estrangelo Edessa"/>
+        <a:font script="Orya" typeface="Kalinga"/>
+        <a:font script="Mlym" typeface="Kartika"/>
+        <a:font script="Laoo" typeface="DokChampa"/>
+        <a:font script="Sinh" typeface="Iskoola Pota"/>
+        <a:font script="Mong" typeface="Mongolian Baiti"/>
+        <a:font script="Viet" typeface="Arial"/>
+        <a:font script="Uigh" typeface="Microsoft Uighur"/>
+        <a:font script="Geor" typeface="Sylfaen"/>
+        <a:font script="Armn" typeface="Arial"/>
+        <a:font script="Bugi" typeface="Leelawadee UI"/>
+        <a:font script="Bopo" typeface="Microsoft JhengHei"/>
+        <a:font script="Java" typeface="Javanese Text"/>
+        <a:font script="Lisu" typeface="Segoe UI"/>
+        <a:font script="Mymr" typeface="Myanmar Text"/>
+        <a:font script="Nkoo" typeface="Ebrima"/>
+        <a:font script="Olck" typeface="Nirmala UI"/>
+        <a:font script="Osma" typeface="Ebrima"/>
+        <a:font script="Phag" typeface="Phagspa"/>
+        <a:font script="Syrn" typeface="Estrangelo Edessa"/>
+        <a:font script="Syrj" typeface="Estrangelo Edessa"/>
+        <a:font script="Syre" typeface="Estrangelo Edessa"/>
+        <a:font script="Sora" typeface="Nirmala UI"/>
+        <a:font script="Tale" typeface="Microsoft Tai Le"/>
+        <a:font script="Talu" typeface="Microsoft New Tai Lue"/>
+        <a:font script="Tfng" typeface="Ebrima"/>
+      </a:minorFont>
+    </a:fontScheme>
+    <a:fmtScheme name="Office">
+      <a:fillStyleLst>
+        <a:solidFill>
+          <a:schemeClr val="phClr"/>
+        </a:solidFill>
+        <a:gradFill rotWithShape="1">
+          <a:gsLst>
+            <a:gs pos="0">
+              <a:schemeClr val="phClr">
+                <a:lumMod val="110000"/>
+                <a:satMod val="105000"/>
+                <a:tint val="67000"/>
+              </a:schemeClr>
+            </a:gs>
+            <a:gs pos="50000">
+              <a:schemeClr val="phClr">
+                <a:lumMod val="105000"/>
+                <a:satMod val="103000"/>
+                <a:tint val="73000"/>
+              </a:schemeClr>
+            </a:gs>
+            <a:gs pos="100000">
+              <a:schemeClr val="phClr">
+                <a:lumMod val="105000"/>
+                <a:satMod val="109000"/>
+                <a:tint val="81000"/>
+              </a:schemeClr>
+            </a:gs>
+          </a:gsLst>
+          <a:lin ang="5400000" scaled="0"/>
+        </a:gradFill>
+        <a:gradFill rotWithShape="1">
+          <a:gsLst>
+            <a:gs pos="0">
+              <a:schemeClr val="phClr">
+                <a:satMod val="103000"/>
+                <a:lumMod val="102000"/>
+                <a:tint val="94000"/>
+              </a:schemeClr>
+            </a:gs>
+            <a:gs pos="50000">
+              <a:schemeClr val="phClr">
+                <a:satMod val="110000"/>
+                <a:lumMod val="100000"/>
+                <a:shade val="100000"/>
+              </a:schemeClr>
+            </a:gs>
+            <a:gs pos="100000">
+              <a:schemeClr val="phClr">
+                <a:lumMod val="99000"/>
+                <a:satMod val="120000"/>
+                <a:shade val="78000"/>
+              </a:schemeClr>
+            </a:gs>
+          </a:gsLst>
+          <a:lin ang="5400000" scaled="0"/>
+        </a:gradFill>
+      </a:fillStyleLst>
+      <a:lnStyleLst>
+        <a:ln w="12700" cap="flat" cmpd="sng" algn="ctr">
+          <a:solidFill>
+            <a:schemeClr val="phClr"/>
+          </a:solidFill>
+          <a:prstDash val="solid"/>
+          <a:miter lim="800000"/>
+        </a:ln>
+        <a:ln w="19050" cap="flat" cmpd="sng" algn="ctr">
+          <a:solidFill>
+            <a:schemeClr val="phClr"/>
+          </a:solidFill>
+          <a:prstDash val="solid"/>
+          <a:miter lim="800000"/>
+        </a:ln>
+        <a:ln w="25400" cap="flat" cmpd="sng" algn="ctr">
+          <a:solidFill>
+            <a:schemeClr val="phClr"/>
+          </a:solidFill>
+          <a:prstDash val="solid"/>
+          <a:miter lim="800000"/>
+        </a:ln>
+      </a:lnStyleLst>
+      <a:effectStyleLst>
+        <a:effectStyle>
+          <a:effectLst/>
+        </a:effectStyle>
+        <a:effectStyle>
+          <a:effectLst/>
+        </a:effectStyle>
+        <a:effectStyle>
+          <a:effectLst>
+            <a:outerShdw blurRad="57150" dist="19050" dir="5400000" algn="ctr" rotWithShape="0">
+              <a:srgbClr val="000000">
+                <a:alpha val="63000"/>
+              </a:srgbClr>
+            </a:outerShdw>
+          </a:effectLst>
+        </a:effectStyle>
+      </a:effectStyleLst>
+      <a:bgFillStyleLst>
+        <a:solidFill>
+          <a:schemeClr val="phClr"/>
+        </a:solidFill>
+        <a:solidFill>
+          <a:schemeClr val="phClr">
+            <a:tint val="95000"/>
+            <a:satMod val="170000"/>
+          </a:schemeClr>
+        </a:solidFill>
+        <a:gradFill rotWithShape="1">
+          <a:gsLst>
+            <a:gs pos="0">
+              <a:schemeClr val="phClr">
+                <a:tint val="93000"/>
+                <a:satMod val="150000"/>
+                <a:shade val="98000"/>
+                <a:lumMod val="102000"/>
+              </a:schemeClr>
+            </a:gs>
+            <a:gs pos="50000">
+              <a:schemeClr val="phClr">
+                <a:tint val="98000"/>
+                <a:satMod val="130000"/>
+                <a:shade val="90000"/>
+                <a:lumMod val="103000"/>
+              </a:schemeClr>
+            </a:gs>
+            <a:gs pos="100000">
+              <a:schemeClr val="phClr">
+                <a:shade val="63000"/>
+                <a:satMod val="120000"/>
+              </a:schemeClr>
+            </a:gs>
+          </a:gsLst>
+          <a:lin ang="5400000" scaled="0"/>
+        </a:gradFill>
+      </a:bgFillStyleLst>
+    </a:fmtScheme>
+  </a:themeElements>
+  <a:objectDefaults>
+    <a:lnDef>
+      <a:spPr/>
+      <a:bodyPr/>
+      <a:lstStyle/>
+      <a:style>
+        <a:lnRef idx="2">
+          <a:schemeClr val="accent1"/>
+        </a:lnRef>
+        <a:fillRef idx="0">
+          <a:schemeClr val="accent1"/>
+        </a:fillRef>
+        <a:effectRef idx="1">
+          <a:schemeClr val="accent1"/>
+        </a:effectRef>
+        <a:fontRef idx="minor">
+          <a:schemeClr val="tx1"/>
+        </a:fontRef>
+      </a:style>
+    </a:lnDef>
+  </a:objectDefaults>
+  <a:extraClrSchemeLst/>
+  <a:extLst>
+    <a:ext uri="{05A4C25C-085E-4340-85A3-A5531E510DB2}">
+      <thm15:themeFamily xmlns:thm15="http://schemas.microsoft.com/office/thememl/2012/main" name="Office Theme" id="{2E142A2C-CD16-42D6-873A-C26D2A0506FA}" vid="{1BDDFF52-6CD6-40A5-AB3C-68EB2F1E4D0A}"/>
+    </a:ext>
+  </a:extLst>
+</a:theme>
 </file>